--- a/Workshops/2/awt-pj-ss23-evaluation-of-http3-for-media-streaming-2.pptx
+++ b/Workshops/2/awt-pj-ss23-evaluation-of-http3-for-media-streaming-2.pptx
@@ -6,17 +6,22 @@
     <p:sldMasterId id="2147483710" r:id="rId2"/>
   </p:sldMasterIdLst>
   <p:notesMasterIdLst>
-    <p:notesMasterId r:id="rId8"/>
+    <p:notesMasterId r:id="rId13"/>
   </p:notesMasterIdLst>
   <p:sldIdLst>
     <p:sldId id="358" r:id="rId3"/>
-    <p:sldId id="359" r:id="rId4"/>
-    <p:sldId id="354" r:id="rId5"/>
-    <p:sldId id="355" r:id="rId6"/>
-    <p:sldId id="356" r:id="rId7"/>
+    <p:sldId id="354" r:id="rId4"/>
+    <p:sldId id="359" r:id="rId5"/>
+    <p:sldId id="364" r:id="rId6"/>
+    <p:sldId id="365" r:id="rId7"/>
+    <p:sldId id="366" r:id="rId8"/>
+    <p:sldId id="367" r:id="rId9"/>
+    <p:sldId id="368" r:id="rId10"/>
+    <p:sldId id="369" r:id="rId11"/>
+    <p:sldId id="363" r:id="rId12"/>
   </p:sldIdLst>
   <p:sldSz cx="12192000" cy="6858000"/>
-  <p:notesSz cx="6858000" cy="9144000"/>
+  <p:notesSz cx="7104063" cy="10234613"/>
   <p:defaultTextStyle>
     <a:defPPr>
       <a:defRPr lang="de-DE"/>
@@ -123,6 +128,882 @@
 </p:presentation>
 </file>
 
+<file path=ppt/changesInfos/changesInfo1.xml><?xml version="1.0" encoding="utf-8"?>
+<pc:chgInfo xmlns:a="http://schemas.openxmlformats.org/drawingml/2006/main" xmlns:r="http://schemas.openxmlformats.org/officeDocument/2006/relationships" xmlns:ac="http://schemas.microsoft.com/office/drawing/2013/main/command" xmlns:pc="http://schemas.microsoft.com/office/powerpoint/2013/main/command">
+  <pc:docChgLst>
+    <pc:chgData name="Philip Nys" userId="0f626723c9935f96" providerId="LiveId" clId="{149D041C-E09F-4336-82F8-4652AC4B8E23}"/>
+    <pc:docChg chg="undo custSel addSld delSld modSld modMainMaster">
+      <pc:chgData name="Philip Nys" userId="0f626723c9935f96" providerId="LiveId" clId="{149D041C-E09F-4336-82F8-4652AC4B8E23}" dt="2023-06-11T12:57:31.588" v="320" actId="20577"/>
+      <pc:docMkLst>
+        <pc:docMk/>
+      </pc:docMkLst>
+      <pc:sldChg chg="modSp mod">
+        <pc:chgData name="Philip Nys" userId="0f626723c9935f96" providerId="LiveId" clId="{149D041C-E09F-4336-82F8-4652AC4B8E23}" dt="2023-06-11T12:56:44.707" v="262" actId="20577"/>
+        <pc:sldMkLst>
+          <pc:docMk/>
+          <pc:sldMk cId="2026090156" sldId="354"/>
+        </pc:sldMkLst>
+        <pc:spChg chg="mod">
+          <ac:chgData name="Philip Nys" userId="0f626723c9935f96" providerId="LiveId" clId="{149D041C-E09F-4336-82F8-4652AC4B8E23}" dt="2023-06-11T12:56:44.707" v="262" actId="20577"/>
+          <ac:spMkLst>
+            <pc:docMk/>
+            <pc:sldMk cId="2026090156" sldId="354"/>
+            <ac:spMk id="3" creationId="{AE105368-A57B-B34E-B39D-32988103397A}"/>
+          </ac:spMkLst>
+        </pc:spChg>
+      </pc:sldChg>
+      <pc:sldChg chg="modSp mod">
+        <pc:chgData name="Philip Nys" userId="0f626723c9935f96" providerId="LiveId" clId="{149D041C-E09F-4336-82F8-4652AC4B8E23}" dt="2023-06-11T12:53:47.661" v="164" actId="20577"/>
+        <pc:sldMkLst>
+          <pc:docMk/>
+          <pc:sldMk cId="668842809" sldId="358"/>
+        </pc:sldMkLst>
+        <pc:spChg chg="mod">
+          <ac:chgData name="Philip Nys" userId="0f626723c9935f96" providerId="LiveId" clId="{149D041C-E09F-4336-82F8-4652AC4B8E23}" dt="2023-06-11T12:53:47.661" v="164" actId="20577"/>
+          <ac:spMkLst>
+            <pc:docMk/>
+            <pc:sldMk cId="668842809" sldId="358"/>
+            <ac:spMk id="9" creationId="{2DD8A406-EC2B-3942-821D-690FFD0DA113}"/>
+          </ac:spMkLst>
+        </pc:spChg>
+      </pc:sldChg>
+      <pc:sldChg chg="modSp mod modNotesTx">
+        <pc:chgData name="Philip Nys" userId="0f626723c9935f96" providerId="LiveId" clId="{149D041C-E09F-4336-82F8-4652AC4B8E23}" dt="2023-06-11T12:54:34.862" v="177" actId="20577"/>
+        <pc:sldMkLst>
+          <pc:docMk/>
+          <pc:sldMk cId="522414064" sldId="359"/>
+        </pc:sldMkLst>
+        <pc:spChg chg="mod">
+          <ac:chgData name="Philip Nys" userId="0f626723c9935f96" providerId="LiveId" clId="{149D041C-E09F-4336-82F8-4652AC4B8E23}" dt="2023-06-11T12:52:52.846" v="149" actId="20577"/>
+          <ac:spMkLst>
+            <pc:docMk/>
+            <pc:sldMk cId="522414064" sldId="359"/>
+            <ac:spMk id="4" creationId="{45F894AC-232B-01B5-80AD-B189941463FA}"/>
+          </ac:spMkLst>
+        </pc:spChg>
+      </pc:sldChg>
+      <pc:sldChg chg="del">
+        <pc:chgData name="Philip Nys" userId="0f626723c9935f96" providerId="LiveId" clId="{149D041C-E09F-4336-82F8-4652AC4B8E23}" dt="2023-06-11T12:53:00.682" v="150" actId="47"/>
+        <pc:sldMkLst>
+          <pc:docMk/>
+          <pc:sldMk cId="2346224190" sldId="360"/>
+        </pc:sldMkLst>
+      </pc:sldChg>
+      <pc:sldChg chg="del">
+        <pc:chgData name="Philip Nys" userId="0f626723c9935f96" providerId="LiveId" clId="{149D041C-E09F-4336-82F8-4652AC4B8E23}" dt="2023-06-11T12:53:00.682" v="150" actId="47"/>
+        <pc:sldMkLst>
+          <pc:docMk/>
+          <pc:sldMk cId="1344757342" sldId="361"/>
+        </pc:sldMkLst>
+      </pc:sldChg>
+      <pc:sldChg chg="del">
+        <pc:chgData name="Philip Nys" userId="0f626723c9935f96" providerId="LiveId" clId="{149D041C-E09F-4336-82F8-4652AC4B8E23}" dt="2023-06-11T12:53:00.682" v="150" actId="47"/>
+        <pc:sldMkLst>
+          <pc:docMk/>
+          <pc:sldMk cId="314973362" sldId="362"/>
+        </pc:sldMkLst>
+      </pc:sldChg>
+      <pc:sldChg chg="delSp modSp new mod">
+        <pc:chgData name="Philip Nys" userId="0f626723c9935f96" providerId="LiveId" clId="{149D041C-E09F-4336-82F8-4652AC4B8E23}" dt="2023-06-11T12:55:58.027" v="232" actId="14100"/>
+        <pc:sldMkLst>
+          <pc:docMk/>
+          <pc:sldMk cId="3524554039" sldId="364"/>
+        </pc:sldMkLst>
+        <pc:spChg chg="mod">
+          <ac:chgData name="Philip Nys" userId="0f626723c9935f96" providerId="LiveId" clId="{149D041C-E09F-4336-82F8-4652AC4B8E23}" dt="2023-06-11T12:55:58.027" v="232" actId="14100"/>
+          <ac:spMkLst>
+            <pc:docMk/>
+            <pc:sldMk cId="3524554039" sldId="364"/>
+            <ac:spMk id="2" creationId="{63E72B7E-0774-E776-C48F-4EC53BDAE6C0}"/>
+          </ac:spMkLst>
+        </pc:spChg>
+        <pc:spChg chg="del">
+          <ac:chgData name="Philip Nys" userId="0f626723c9935f96" providerId="LiveId" clId="{149D041C-E09F-4336-82F8-4652AC4B8E23}" dt="2023-06-11T12:55:54.517" v="231" actId="478"/>
+          <ac:spMkLst>
+            <pc:docMk/>
+            <pc:sldMk cId="3524554039" sldId="364"/>
+            <ac:spMk id="3" creationId="{A918C62C-2093-4448-FD3D-33424FD9809A}"/>
+          </ac:spMkLst>
+        </pc:spChg>
+        <pc:spChg chg="mod">
+          <ac:chgData name="Philip Nys" userId="0f626723c9935f96" providerId="LiveId" clId="{149D041C-E09F-4336-82F8-4652AC4B8E23}" dt="2023-06-11T12:55:40.027" v="224" actId="20577"/>
+          <ac:spMkLst>
+            <pc:docMk/>
+            <pc:sldMk cId="3524554039" sldId="364"/>
+            <ac:spMk id="4" creationId="{8BF7C1A0-172C-244E-581D-CDB5763251CA}"/>
+          </ac:spMkLst>
+        </pc:spChg>
+      </pc:sldChg>
+      <pc:sldChg chg="del">
+        <pc:chgData name="Philip Nys" userId="0f626723c9935f96" providerId="LiveId" clId="{149D041C-E09F-4336-82F8-4652AC4B8E23}" dt="2023-06-11T12:53:00.682" v="150" actId="47"/>
+        <pc:sldMkLst>
+          <pc:docMk/>
+          <pc:sldMk cId="3596586972" sldId="364"/>
+        </pc:sldMkLst>
+      </pc:sldChg>
+      <pc:sldChg chg="add del">
+        <pc:chgData name="Philip Nys" userId="0f626723c9935f96" providerId="LiveId" clId="{149D041C-E09F-4336-82F8-4652AC4B8E23}" dt="2023-06-11T12:55:52.638" v="230" actId="47"/>
+        <pc:sldMkLst>
+          <pc:docMk/>
+          <pc:sldMk cId="1880354681" sldId="365"/>
+        </pc:sldMkLst>
+      </pc:sldChg>
+      <pc:sldChg chg="new del">
+        <pc:chgData name="Philip Nys" userId="0f626723c9935f96" providerId="LiveId" clId="{149D041C-E09F-4336-82F8-4652AC4B8E23}" dt="2023-06-11T12:55:44.884" v="225" actId="47"/>
+        <pc:sldMkLst>
+          <pc:docMk/>
+          <pc:sldMk cId="1977686639" sldId="365"/>
+        </pc:sldMkLst>
+      </pc:sldChg>
+      <pc:sldChg chg="del">
+        <pc:chgData name="Philip Nys" userId="0f626723c9935f96" providerId="LiveId" clId="{149D041C-E09F-4336-82F8-4652AC4B8E23}" dt="2023-06-11T12:53:00.682" v="150" actId="47"/>
+        <pc:sldMkLst>
+          <pc:docMk/>
+          <pc:sldMk cId="2964607789" sldId="365"/>
+        </pc:sldMkLst>
+      </pc:sldChg>
+      <pc:sldChg chg="modSp add mod">
+        <pc:chgData name="Philip Nys" userId="0f626723c9935f96" providerId="LiveId" clId="{149D041C-E09F-4336-82F8-4652AC4B8E23}" dt="2023-06-11T12:56:11.879" v="238" actId="20577"/>
+        <pc:sldMkLst>
+          <pc:docMk/>
+          <pc:sldMk cId="3726153706" sldId="365"/>
+        </pc:sldMkLst>
+        <pc:spChg chg="mod">
+          <ac:chgData name="Philip Nys" userId="0f626723c9935f96" providerId="LiveId" clId="{149D041C-E09F-4336-82F8-4652AC4B8E23}" dt="2023-06-11T12:56:11.879" v="238" actId="20577"/>
+          <ac:spMkLst>
+            <pc:docMk/>
+            <pc:sldMk cId="3726153706" sldId="365"/>
+            <ac:spMk id="4" creationId="{8BF7C1A0-172C-244E-581D-CDB5763251CA}"/>
+          </ac:spMkLst>
+        </pc:spChg>
+      </pc:sldChg>
+      <pc:sldChg chg="new del">
+        <pc:chgData name="Philip Nys" userId="0f626723c9935f96" providerId="LiveId" clId="{149D041C-E09F-4336-82F8-4652AC4B8E23}" dt="2023-06-11T12:55:45.520" v="226" actId="47"/>
+        <pc:sldMkLst>
+          <pc:docMk/>
+          <pc:sldMk cId="1417522490" sldId="366"/>
+        </pc:sldMkLst>
+      </pc:sldChg>
+      <pc:sldChg chg="add del">
+        <pc:chgData name="Philip Nys" userId="0f626723c9935f96" providerId="LiveId" clId="{149D041C-E09F-4336-82F8-4652AC4B8E23}" dt="2023-06-11T12:55:52.142" v="229" actId="47"/>
+        <pc:sldMkLst>
+          <pc:docMk/>
+          <pc:sldMk cId="1759637284" sldId="366"/>
+        </pc:sldMkLst>
+      </pc:sldChg>
+      <pc:sldChg chg="modSp add mod">
+        <pc:chgData name="Philip Nys" userId="0f626723c9935f96" providerId="LiveId" clId="{149D041C-E09F-4336-82F8-4652AC4B8E23}" dt="2023-06-11T12:56:15.648" v="243" actId="20577"/>
+        <pc:sldMkLst>
+          <pc:docMk/>
+          <pc:sldMk cId="3332122908" sldId="366"/>
+        </pc:sldMkLst>
+        <pc:spChg chg="mod">
+          <ac:chgData name="Philip Nys" userId="0f626723c9935f96" providerId="LiveId" clId="{149D041C-E09F-4336-82F8-4652AC4B8E23}" dt="2023-06-11T12:56:15.648" v="243" actId="20577"/>
+          <ac:spMkLst>
+            <pc:docMk/>
+            <pc:sldMk cId="3332122908" sldId="366"/>
+            <ac:spMk id="4" creationId="{8BF7C1A0-172C-244E-581D-CDB5763251CA}"/>
+          </ac:spMkLst>
+        </pc:spChg>
+      </pc:sldChg>
+      <pc:sldChg chg="delSp modSp new mod">
+        <pc:chgData name="Philip Nys" userId="0f626723c9935f96" providerId="LiveId" clId="{149D041C-E09F-4336-82F8-4652AC4B8E23}" dt="2023-06-11T12:57:13.362" v="294" actId="14100"/>
+        <pc:sldMkLst>
+          <pc:docMk/>
+          <pc:sldMk cId="3388125799" sldId="367"/>
+        </pc:sldMkLst>
+        <pc:spChg chg="mod">
+          <ac:chgData name="Philip Nys" userId="0f626723c9935f96" providerId="LiveId" clId="{149D041C-E09F-4336-82F8-4652AC4B8E23}" dt="2023-06-11T12:57:13.362" v="294" actId="14100"/>
+          <ac:spMkLst>
+            <pc:docMk/>
+            <pc:sldMk cId="3388125799" sldId="367"/>
+            <ac:spMk id="2" creationId="{42C62328-4006-D2EC-185C-E439DA12B702}"/>
+          </ac:spMkLst>
+        </pc:spChg>
+        <pc:spChg chg="del">
+          <ac:chgData name="Philip Nys" userId="0f626723c9935f96" providerId="LiveId" clId="{149D041C-E09F-4336-82F8-4652AC4B8E23}" dt="2023-06-11T12:57:10.562" v="293" actId="478"/>
+          <ac:spMkLst>
+            <pc:docMk/>
+            <pc:sldMk cId="3388125799" sldId="367"/>
+            <ac:spMk id="3" creationId="{CFCA7DD7-96FD-FCF4-DDCC-DC0D53EDF15E}"/>
+          </ac:spMkLst>
+        </pc:spChg>
+        <pc:spChg chg="mod">
+          <ac:chgData name="Philip Nys" userId="0f626723c9935f96" providerId="LiveId" clId="{149D041C-E09F-4336-82F8-4652AC4B8E23}" dt="2023-06-11T12:57:08.614" v="292" actId="20577"/>
+          <ac:spMkLst>
+            <pc:docMk/>
+            <pc:sldMk cId="3388125799" sldId="367"/>
+            <ac:spMk id="4" creationId="{6AEF0EEF-0EC4-30AB-0725-2CBB5C7A1EDB}"/>
+          </ac:spMkLst>
+        </pc:spChg>
+      </pc:sldChg>
+      <pc:sldChg chg="modSp add mod">
+        <pc:chgData name="Philip Nys" userId="0f626723c9935f96" providerId="LiveId" clId="{149D041C-E09F-4336-82F8-4652AC4B8E23}" dt="2023-06-11T12:57:22.790" v="309" actId="20577"/>
+        <pc:sldMkLst>
+          <pc:docMk/>
+          <pc:sldMk cId="1316434677" sldId="368"/>
+        </pc:sldMkLst>
+        <pc:spChg chg="mod">
+          <ac:chgData name="Philip Nys" userId="0f626723c9935f96" providerId="LiveId" clId="{149D041C-E09F-4336-82F8-4652AC4B8E23}" dt="2023-06-11T12:57:22.790" v="309" actId="20577"/>
+          <ac:spMkLst>
+            <pc:docMk/>
+            <pc:sldMk cId="1316434677" sldId="368"/>
+            <ac:spMk id="4" creationId="{6AEF0EEF-0EC4-30AB-0725-2CBB5C7A1EDB}"/>
+          </ac:spMkLst>
+        </pc:spChg>
+      </pc:sldChg>
+      <pc:sldChg chg="modSp add mod">
+        <pc:chgData name="Philip Nys" userId="0f626723c9935f96" providerId="LiveId" clId="{149D041C-E09F-4336-82F8-4652AC4B8E23}" dt="2023-06-11T12:57:31.588" v="320" actId="20577"/>
+        <pc:sldMkLst>
+          <pc:docMk/>
+          <pc:sldMk cId="4058755114" sldId="369"/>
+        </pc:sldMkLst>
+        <pc:spChg chg="mod">
+          <ac:chgData name="Philip Nys" userId="0f626723c9935f96" providerId="LiveId" clId="{149D041C-E09F-4336-82F8-4652AC4B8E23}" dt="2023-06-11T12:57:31.588" v="320" actId="20577"/>
+          <ac:spMkLst>
+            <pc:docMk/>
+            <pc:sldMk cId="4058755114" sldId="369"/>
+            <ac:spMk id="4" creationId="{6AEF0EEF-0EC4-30AB-0725-2CBB5C7A1EDB}"/>
+          </ac:spMkLst>
+        </pc:spChg>
+      </pc:sldChg>
+      <pc:sldMasterChg chg="modSp mod">
+        <pc:chgData name="Philip Nys" userId="0f626723c9935f96" providerId="LiveId" clId="{149D041C-E09F-4336-82F8-4652AC4B8E23}" dt="2023-06-11T12:54:20.054" v="176" actId="20577"/>
+        <pc:sldMasterMkLst>
+          <pc:docMk/>
+          <pc:sldMasterMk cId="3907247464" sldId="2147483710"/>
+        </pc:sldMasterMkLst>
+        <pc:spChg chg="mod">
+          <ac:chgData name="Philip Nys" userId="0f626723c9935f96" providerId="LiveId" clId="{149D041C-E09F-4336-82F8-4652AC4B8E23}" dt="2023-06-11T12:54:20.054" v="176" actId="20577"/>
+          <ac:spMkLst>
+            <pc:docMk/>
+            <pc:sldMasterMk cId="3907247464" sldId="2147483710"/>
+            <ac:spMk id="20" creationId="{36184FE9-ADE0-F94C-90C6-58CFCA50F9A4}"/>
+          </ac:spMkLst>
+        </pc:spChg>
+      </pc:sldMasterChg>
+    </pc:docChg>
+  </pc:docChgLst>
+  <pc:docChgLst>
+    <pc:chgData name="Philip Nys" userId="0f626723c9935f96" providerId="LiveId" clId="{ECCFC341-3C8E-431F-BB40-7F8F36FC14DD}"/>
+    <pc:docChg chg="undo redo custSel addSld delSld modSld modMainMaster modNotesMaster">
+      <pc:chgData name="Philip Nys" userId="0f626723c9935f96" providerId="LiveId" clId="{ECCFC341-3C8E-431F-BB40-7F8F36FC14DD}" dt="2023-05-12T10:29:13.845" v="6758" actId="14100"/>
+      <pc:docMkLst>
+        <pc:docMk/>
+      </pc:docMkLst>
+      <pc:sldChg chg="delSp modSp mod">
+        <pc:chgData name="Philip Nys" userId="0f626723c9935f96" providerId="LiveId" clId="{ECCFC341-3C8E-431F-BB40-7F8F36FC14DD}" dt="2023-05-12T10:29:13.845" v="6758" actId="14100"/>
+        <pc:sldMkLst>
+          <pc:docMk/>
+          <pc:sldMk cId="2026090156" sldId="354"/>
+        </pc:sldMkLst>
+        <pc:spChg chg="del">
+          <ac:chgData name="Philip Nys" userId="0f626723c9935f96" providerId="LiveId" clId="{ECCFC341-3C8E-431F-BB40-7F8F36FC14DD}" dt="2023-05-12T10:26:29.649" v="6690" actId="478"/>
+          <ac:spMkLst>
+            <pc:docMk/>
+            <pc:sldMk cId="2026090156" sldId="354"/>
+            <ac:spMk id="2" creationId="{3913C5CE-83A0-B44C-9181-4118DEE6BCFA}"/>
+          </ac:spMkLst>
+        </pc:spChg>
+        <pc:spChg chg="mod">
+          <ac:chgData name="Philip Nys" userId="0f626723c9935f96" providerId="LiveId" clId="{ECCFC341-3C8E-431F-BB40-7F8F36FC14DD}" dt="2023-05-12T10:29:13.845" v="6758" actId="14100"/>
+          <ac:spMkLst>
+            <pc:docMk/>
+            <pc:sldMk cId="2026090156" sldId="354"/>
+            <ac:spMk id="3" creationId="{AE105368-A57B-B34E-B39D-32988103397A}"/>
+          </ac:spMkLst>
+        </pc:spChg>
+        <pc:spChg chg="mod">
+          <ac:chgData name="Philip Nys" userId="0f626723c9935f96" providerId="LiveId" clId="{ECCFC341-3C8E-431F-BB40-7F8F36FC14DD}" dt="2023-05-12T08:54:36.503" v="2285"/>
+          <ac:spMkLst>
+            <pc:docMk/>
+            <pc:sldMk cId="2026090156" sldId="354"/>
+            <ac:spMk id="4" creationId="{1DDBDE21-4AC1-EB4D-9875-252AE5A899AE}"/>
+          </ac:spMkLst>
+        </pc:spChg>
+      </pc:sldChg>
+      <pc:sldChg chg="del">
+        <pc:chgData name="Philip Nys" userId="0f626723c9935f96" providerId="LiveId" clId="{ECCFC341-3C8E-431F-BB40-7F8F36FC14DD}" dt="2023-05-01T13:08:13.469" v="115" actId="47"/>
+        <pc:sldMkLst>
+          <pc:docMk/>
+          <pc:sldMk cId="1388914157" sldId="355"/>
+        </pc:sldMkLst>
+      </pc:sldChg>
+      <pc:sldChg chg="del">
+        <pc:chgData name="Philip Nys" userId="0f626723c9935f96" providerId="LiveId" clId="{ECCFC341-3C8E-431F-BB40-7F8F36FC14DD}" dt="2023-05-01T13:08:11.552" v="114" actId="47"/>
+        <pc:sldMkLst>
+          <pc:docMk/>
+          <pc:sldMk cId="2659102092" sldId="356"/>
+        </pc:sldMkLst>
+      </pc:sldChg>
+      <pc:sldChg chg="delSp modSp mod">
+        <pc:chgData name="Philip Nys" userId="0f626723c9935f96" providerId="LiveId" clId="{ECCFC341-3C8E-431F-BB40-7F8F36FC14DD}" dt="2023-05-12T08:23:39.327" v="2242" actId="478"/>
+        <pc:sldMkLst>
+          <pc:docMk/>
+          <pc:sldMk cId="668842809" sldId="358"/>
+        </pc:sldMkLst>
+        <pc:spChg chg="mod">
+          <ac:chgData name="Philip Nys" userId="0f626723c9935f96" providerId="LiveId" clId="{ECCFC341-3C8E-431F-BB40-7F8F36FC14DD}" dt="2023-05-01T13:06:52.121" v="106" actId="20577"/>
+          <ac:spMkLst>
+            <pc:docMk/>
+            <pc:sldMk cId="668842809" sldId="358"/>
+            <ac:spMk id="7" creationId="{1566C600-4B84-5842-B3E8-43C0EE42DEAE}"/>
+          </ac:spMkLst>
+        </pc:spChg>
+        <pc:spChg chg="mod">
+          <ac:chgData name="Philip Nys" userId="0f626723c9935f96" providerId="LiveId" clId="{ECCFC341-3C8E-431F-BB40-7F8F36FC14DD}" dt="2023-05-01T13:12:09.645" v="247" actId="20577"/>
+          <ac:spMkLst>
+            <pc:docMk/>
+            <pc:sldMk cId="668842809" sldId="358"/>
+            <ac:spMk id="9" creationId="{2DD8A406-EC2B-3942-821D-690FFD0DA113}"/>
+          </ac:spMkLst>
+        </pc:spChg>
+        <pc:picChg chg="del">
+          <ac:chgData name="Philip Nys" userId="0f626723c9935f96" providerId="LiveId" clId="{ECCFC341-3C8E-431F-BB40-7F8F36FC14DD}" dt="2023-05-12T08:23:39.327" v="2242" actId="478"/>
+          <ac:picMkLst>
+            <pc:docMk/>
+            <pc:sldMk cId="668842809" sldId="358"/>
+            <ac:picMk id="10" creationId="{5137168F-F820-384E-9E3B-0C3DBA0FF336}"/>
+          </ac:picMkLst>
+        </pc:picChg>
+      </pc:sldChg>
+      <pc:sldChg chg="addSp delSp modSp new mod modClrScheme chgLayout modNotesTx">
+        <pc:chgData name="Philip Nys" userId="0f626723c9935f96" providerId="LiveId" clId="{ECCFC341-3C8E-431F-BB40-7F8F36FC14DD}" dt="2023-05-12T09:56:52.409" v="5509" actId="20577"/>
+        <pc:sldMkLst>
+          <pc:docMk/>
+          <pc:sldMk cId="522414064" sldId="359"/>
+        </pc:sldMkLst>
+        <pc:spChg chg="mod ord">
+          <ac:chgData name="Philip Nys" userId="0f626723c9935f96" providerId="LiveId" clId="{ECCFC341-3C8E-431F-BB40-7F8F36FC14DD}" dt="2023-05-12T09:36:51.956" v="4187" actId="2711"/>
+          <ac:spMkLst>
+            <pc:docMk/>
+            <pc:sldMk cId="522414064" sldId="359"/>
+            <ac:spMk id="2" creationId="{01DD0431-E3B5-02E3-06FE-A022EB17182C}"/>
+          </ac:spMkLst>
+        </pc:spChg>
+        <pc:spChg chg="del">
+          <ac:chgData name="Philip Nys" userId="0f626723c9935f96" providerId="LiveId" clId="{ECCFC341-3C8E-431F-BB40-7F8F36FC14DD}" dt="2023-05-07T13:06:18.897" v="527" actId="478"/>
+          <ac:spMkLst>
+            <pc:docMk/>
+            <pc:sldMk cId="522414064" sldId="359"/>
+            <ac:spMk id="3" creationId="{9371B1A9-32AE-D46A-5B39-F655426C78DA}"/>
+          </ac:spMkLst>
+        </pc:spChg>
+        <pc:spChg chg="mod ord">
+          <ac:chgData name="Philip Nys" userId="0f626723c9935f96" providerId="LiveId" clId="{ECCFC341-3C8E-431F-BB40-7F8F36FC14DD}" dt="2023-05-12T08:54:33.171" v="2283"/>
+          <ac:spMkLst>
+            <pc:docMk/>
+            <pc:sldMk cId="522414064" sldId="359"/>
+            <ac:spMk id="4" creationId="{45F894AC-232B-01B5-80AD-B189941463FA}"/>
+          </ac:spMkLst>
+        </pc:spChg>
+        <pc:spChg chg="add del mod ord">
+          <ac:chgData name="Philip Nys" userId="0f626723c9935f96" providerId="LiveId" clId="{ECCFC341-3C8E-431F-BB40-7F8F36FC14DD}" dt="2023-05-07T13:06:51.027" v="530" actId="478"/>
+          <ac:spMkLst>
+            <pc:docMk/>
+            <pc:sldMk cId="522414064" sldId="359"/>
+            <ac:spMk id="5" creationId="{5D2D33CD-EE5F-96B8-4BDA-703CCE40A58F}"/>
+          </ac:spMkLst>
+        </pc:spChg>
+      </pc:sldChg>
+      <pc:sldChg chg="del">
+        <pc:chgData name="Philip Nys" userId="0f626723c9935f96" providerId="LiveId" clId="{ECCFC341-3C8E-431F-BB40-7F8F36FC14DD}" dt="2023-05-01T13:07:25.275" v="107" actId="2696"/>
+        <pc:sldMkLst>
+          <pc:docMk/>
+          <pc:sldMk cId="3533876914" sldId="359"/>
+        </pc:sldMkLst>
+      </pc:sldChg>
+      <pc:sldChg chg="new del">
+        <pc:chgData name="Philip Nys" userId="0f626723c9935f96" providerId="LiveId" clId="{ECCFC341-3C8E-431F-BB40-7F8F36FC14DD}" dt="2023-05-01T13:07:52.065" v="110" actId="47"/>
+        <pc:sldMkLst>
+          <pc:docMk/>
+          <pc:sldMk cId="3631024352" sldId="359"/>
+        </pc:sldMkLst>
+      </pc:sldChg>
+      <pc:sldChg chg="addSp delSp modSp new mod modClrScheme chgLayout modNotesTx">
+        <pc:chgData name="Philip Nys" userId="0f626723c9935f96" providerId="LiveId" clId="{ECCFC341-3C8E-431F-BB40-7F8F36FC14DD}" dt="2023-05-12T09:47:55.942" v="4948" actId="20577"/>
+        <pc:sldMkLst>
+          <pc:docMk/>
+          <pc:sldMk cId="2346224190" sldId="360"/>
+        </pc:sldMkLst>
+        <pc:spChg chg="del mod ord">
+          <ac:chgData name="Philip Nys" userId="0f626723c9935f96" providerId="LiveId" clId="{ECCFC341-3C8E-431F-BB40-7F8F36FC14DD}" dt="2023-05-07T13:32:41.507" v="918" actId="700"/>
+          <ac:spMkLst>
+            <pc:docMk/>
+            <pc:sldMk cId="2346224190" sldId="360"/>
+            <ac:spMk id="2" creationId="{F2B757A2-5E8E-7F08-0962-E98376CFFB6A}"/>
+          </ac:spMkLst>
+        </pc:spChg>
+        <pc:spChg chg="del">
+          <ac:chgData name="Philip Nys" userId="0f626723c9935f96" providerId="LiveId" clId="{ECCFC341-3C8E-431F-BB40-7F8F36FC14DD}" dt="2023-05-07T13:32:41.507" v="918" actId="700"/>
+          <ac:spMkLst>
+            <pc:docMk/>
+            <pc:sldMk cId="2346224190" sldId="360"/>
+            <ac:spMk id="3" creationId="{C82D38E0-25A5-34F8-7CAF-6BFBF952632B}"/>
+          </ac:spMkLst>
+        </pc:spChg>
+        <pc:spChg chg="mod ord">
+          <ac:chgData name="Philip Nys" userId="0f626723c9935f96" providerId="LiveId" clId="{ECCFC341-3C8E-431F-BB40-7F8F36FC14DD}" dt="2023-05-12T08:55:41.722" v="2304" actId="5793"/>
+          <ac:spMkLst>
+            <pc:docMk/>
+            <pc:sldMk cId="2346224190" sldId="360"/>
+            <ac:spMk id="4" creationId="{51E15CFF-D931-AB83-97E4-F5F6A7DD0078}"/>
+          </ac:spMkLst>
+        </pc:spChg>
+        <pc:spChg chg="add del mod ord">
+          <ac:chgData name="Philip Nys" userId="0f626723c9935f96" providerId="LiveId" clId="{ECCFC341-3C8E-431F-BB40-7F8F36FC14DD}" dt="2023-05-07T13:33:08.172" v="922" actId="478"/>
+          <ac:spMkLst>
+            <pc:docMk/>
+            <pc:sldMk cId="2346224190" sldId="360"/>
+            <ac:spMk id="5" creationId="{81A883E6-7B52-3A0F-0BF9-E100A9FFA249}"/>
+          </ac:spMkLst>
+        </pc:spChg>
+        <pc:spChg chg="add del mod ord">
+          <ac:chgData name="Philip Nys" userId="0f626723c9935f96" providerId="LiveId" clId="{ECCFC341-3C8E-431F-BB40-7F8F36FC14DD}" dt="2023-05-07T13:32:51.876" v="919" actId="478"/>
+          <ac:spMkLst>
+            <pc:docMk/>
+            <pc:sldMk cId="2346224190" sldId="360"/>
+            <ac:spMk id="6" creationId="{9A3470D6-ED5B-F83F-5958-642E9F3F77E6}"/>
+          </ac:spMkLst>
+        </pc:spChg>
+        <pc:spChg chg="add mod">
+          <ac:chgData name="Philip Nys" userId="0f626723c9935f96" providerId="LiveId" clId="{ECCFC341-3C8E-431F-BB40-7F8F36FC14DD}" dt="2023-05-07T13:46:06.789" v="1332" actId="207"/>
+          <ac:spMkLst>
+            <pc:docMk/>
+            <pc:sldMk cId="2346224190" sldId="360"/>
+            <ac:spMk id="10" creationId="{78D32D5B-64DD-CD16-3167-9DD1B1871751}"/>
+          </ac:spMkLst>
+        </pc:spChg>
+        <pc:grpChg chg="add del mod">
+          <ac:chgData name="Philip Nys" userId="0f626723c9935f96" providerId="LiveId" clId="{ECCFC341-3C8E-431F-BB40-7F8F36FC14DD}" dt="2023-05-07T14:02:45.132" v="1357" actId="478"/>
+          <ac:grpSpMkLst>
+            <pc:docMk/>
+            <pc:sldMk cId="2346224190" sldId="360"/>
+            <ac:grpSpMk id="11" creationId="{B78F87FC-26F6-0433-B619-702A9139B300}"/>
+          </ac:grpSpMkLst>
+        </pc:grpChg>
+        <pc:graphicFrameChg chg="add mod modGraphic">
+          <ac:chgData name="Philip Nys" userId="0f626723c9935f96" providerId="LiveId" clId="{ECCFC341-3C8E-431F-BB40-7F8F36FC14DD}" dt="2023-05-12T09:47:55.942" v="4948" actId="20577"/>
+          <ac:graphicFrameMkLst>
+            <pc:docMk/>
+            <pc:sldMk cId="2346224190" sldId="360"/>
+            <ac:graphicFrameMk id="7" creationId="{5FD509E4-6BD3-3713-C9CD-C60267FAB881}"/>
+          </ac:graphicFrameMkLst>
+        </pc:graphicFrameChg>
+        <pc:picChg chg="add mod">
+          <ac:chgData name="Philip Nys" userId="0f626723c9935f96" providerId="LiveId" clId="{ECCFC341-3C8E-431F-BB40-7F8F36FC14DD}" dt="2023-05-07T13:45:37.950" v="1330" actId="164"/>
+          <ac:picMkLst>
+            <pc:docMk/>
+            <pc:sldMk cId="2346224190" sldId="360"/>
+            <ac:picMk id="9" creationId="{F882E48E-E2F2-5E68-9364-7E554C418AC8}"/>
+          </ac:picMkLst>
+        </pc:picChg>
+        <pc:picChg chg="add del mod">
+          <ac:chgData name="Philip Nys" userId="0f626723c9935f96" providerId="LiveId" clId="{ECCFC341-3C8E-431F-BB40-7F8F36FC14DD}" dt="2023-05-07T14:02:58.586" v="1362" actId="21"/>
+          <ac:picMkLst>
+            <pc:docMk/>
+            <pc:sldMk cId="2346224190" sldId="360"/>
+            <ac:picMk id="13" creationId="{ED630F3A-B101-1416-6D20-B005C2172828}"/>
+          </ac:picMkLst>
+        </pc:picChg>
+      </pc:sldChg>
+      <pc:sldChg chg="new del">
+        <pc:chgData name="Philip Nys" userId="0f626723c9935f96" providerId="LiveId" clId="{ECCFC341-3C8E-431F-BB40-7F8F36FC14DD}" dt="2023-05-01T13:08:08.483" v="113" actId="47"/>
+        <pc:sldMkLst>
+          <pc:docMk/>
+          <pc:sldMk cId="3346031411" sldId="360"/>
+        </pc:sldMkLst>
+      </pc:sldChg>
+      <pc:sldChg chg="addSp delSp modSp new mod modClrScheme chgLayout modNotesTx">
+        <pc:chgData name="Philip Nys" userId="0f626723c9935f96" providerId="LiveId" clId="{ECCFC341-3C8E-431F-BB40-7F8F36FC14DD}" dt="2023-05-12T10:26:36.054" v="6691" actId="478"/>
+        <pc:sldMkLst>
+          <pc:docMk/>
+          <pc:sldMk cId="1344757342" sldId="361"/>
+        </pc:sldMkLst>
+        <pc:spChg chg="del mod ord">
+          <ac:chgData name="Philip Nys" userId="0f626723c9935f96" providerId="LiveId" clId="{ECCFC341-3C8E-431F-BB40-7F8F36FC14DD}" dt="2023-05-07T14:10:39.090" v="1799" actId="700"/>
+          <ac:spMkLst>
+            <pc:docMk/>
+            <pc:sldMk cId="1344757342" sldId="361"/>
+            <ac:spMk id="2" creationId="{DE7D7A7B-D9F2-1A68-0AA1-2174C70A5E36}"/>
+          </ac:spMkLst>
+        </pc:spChg>
+        <pc:spChg chg="del">
+          <ac:chgData name="Philip Nys" userId="0f626723c9935f96" providerId="LiveId" clId="{ECCFC341-3C8E-431F-BB40-7F8F36FC14DD}" dt="2023-05-07T14:10:39.090" v="1799" actId="700"/>
+          <ac:spMkLst>
+            <pc:docMk/>
+            <pc:sldMk cId="1344757342" sldId="361"/>
+            <ac:spMk id="3" creationId="{8573E1B9-4A67-AB04-3A60-847182F5525F}"/>
+          </ac:spMkLst>
+        </pc:spChg>
+        <pc:spChg chg="add del mod">
+          <ac:chgData name="Philip Nys" userId="0f626723c9935f96" providerId="LiveId" clId="{ECCFC341-3C8E-431F-BB40-7F8F36FC14DD}" dt="2023-05-12T10:26:36.054" v="6691" actId="478"/>
+          <ac:spMkLst>
+            <pc:docMk/>
+            <pc:sldMk cId="1344757342" sldId="361"/>
+            <ac:spMk id="3" creationId="{A186DE27-70AD-ECB4-52B9-2111956A8880}"/>
+          </ac:spMkLst>
+        </pc:spChg>
+        <pc:spChg chg="mod ord">
+          <ac:chgData name="Philip Nys" userId="0f626723c9935f96" providerId="LiveId" clId="{ECCFC341-3C8E-431F-BB40-7F8F36FC14DD}" dt="2023-05-12T08:57:01.434" v="2341"/>
+          <ac:spMkLst>
+            <pc:docMk/>
+            <pc:sldMk cId="1344757342" sldId="361"/>
+            <ac:spMk id="4" creationId="{A4652FE9-F8A0-C728-F558-B1C47516C584}"/>
+          </ac:spMkLst>
+        </pc:spChg>
+        <pc:spChg chg="add mod ord">
+          <ac:chgData name="Philip Nys" userId="0f626723c9935f96" providerId="LiveId" clId="{ECCFC341-3C8E-431F-BB40-7F8F36FC14DD}" dt="2023-05-07T14:17:22.137" v="2140" actId="57"/>
+          <ac:spMkLst>
+            <pc:docMk/>
+            <pc:sldMk cId="1344757342" sldId="361"/>
+            <ac:spMk id="5" creationId="{2EFDF9EB-CE61-989F-56C3-66D0A018C9B9}"/>
+          </ac:spMkLst>
+        </pc:spChg>
+        <pc:spChg chg="add del mod ord">
+          <ac:chgData name="Philip Nys" userId="0f626723c9935f96" providerId="LiveId" clId="{ECCFC341-3C8E-431F-BB40-7F8F36FC14DD}" dt="2023-05-12T10:11:40.098" v="6187" actId="21"/>
+          <ac:spMkLst>
+            <pc:docMk/>
+            <pc:sldMk cId="1344757342" sldId="361"/>
+            <ac:spMk id="6" creationId="{DF4816A7-0EB4-A883-99F9-DDAD9A38FB21}"/>
+          </ac:spMkLst>
+        </pc:spChg>
+      </pc:sldChg>
+      <pc:sldChg chg="new del">
+        <pc:chgData name="Philip Nys" userId="0f626723c9935f96" providerId="LiveId" clId="{ECCFC341-3C8E-431F-BB40-7F8F36FC14DD}" dt="2023-05-01T13:08:07.063" v="112" actId="47"/>
+        <pc:sldMkLst>
+          <pc:docMk/>
+          <pc:sldMk cId="2993596549" sldId="361"/>
+        </pc:sldMkLst>
+      </pc:sldChg>
+      <pc:sldChg chg="addSp delSp modSp new mod modClrScheme chgLayout modNotesTx">
+        <pc:chgData name="Philip Nys" userId="0f626723c9935f96" providerId="LiveId" clId="{ECCFC341-3C8E-431F-BB40-7F8F36FC14DD}" dt="2023-05-12T10:17:28.929" v="6689" actId="20577"/>
+        <pc:sldMkLst>
+          <pc:docMk/>
+          <pc:sldMk cId="314973362" sldId="362"/>
+        </pc:sldMkLst>
+        <pc:spChg chg="add del mod">
+          <ac:chgData name="Philip Nys" userId="0f626723c9935f96" providerId="LiveId" clId="{ECCFC341-3C8E-431F-BB40-7F8F36FC14DD}" dt="2023-05-12T10:15:32.820" v="6450" actId="478"/>
+          <ac:spMkLst>
+            <pc:docMk/>
+            <pc:sldMk cId="314973362" sldId="362"/>
+            <ac:spMk id="2" creationId="{377C66D3-B882-C52F-9357-45166ADC109A}"/>
+          </ac:spMkLst>
+        </pc:spChg>
+        <pc:spChg chg="del mod ord">
+          <ac:chgData name="Philip Nys" userId="0f626723c9935f96" providerId="LiveId" clId="{ECCFC341-3C8E-431F-BB40-7F8F36FC14DD}" dt="2023-05-07T14:10:42.856" v="1800" actId="700"/>
+          <ac:spMkLst>
+            <pc:docMk/>
+            <pc:sldMk cId="314973362" sldId="362"/>
+            <ac:spMk id="2" creationId="{4550B31F-C262-8C6C-79E3-B20CA1C2F6E6}"/>
+          </ac:spMkLst>
+        </pc:spChg>
+        <pc:spChg chg="del">
+          <ac:chgData name="Philip Nys" userId="0f626723c9935f96" providerId="LiveId" clId="{ECCFC341-3C8E-431F-BB40-7F8F36FC14DD}" dt="2023-05-07T14:10:42.856" v="1800" actId="700"/>
+          <ac:spMkLst>
+            <pc:docMk/>
+            <pc:sldMk cId="314973362" sldId="362"/>
+            <ac:spMk id="3" creationId="{5FC10FBC-38E5-E23F-20F6-AE679CE5A309}"/>
+          </ac:spMkLst>
+        </pc:spChg>
+        <pc:spChg chg="mod ord">
+          <ac:chgData name="Philip Nys" userId="0f626723c9935f96" providerId="LiveId" clId="{ECCFC341-3C8E-431F-BB40-7F8F36FC14DD}" dt="2023-05-12T08:57:05.186" v="2343"/>
+          <ac:spMkLst>
+            <pc:docMk/>
+            <pc:sldMk cId="314973362" sldId="362"/>
+            <ac:spMk id="4" creationId="{A4155E32-3112-EA2F-8617-6482871739D6}"/>
+          </ac:spMkLst>
+        </pc:spChg>
+        <pc:spChg chg="add mod ord">
+          <ac:chgData name="Philip Nys" userId="0f626723c9935f96" providerId="LiveId" clId="{ECCFC341-3C8E-431F-BB40-7F8F36FC14DD}" dt="2023-05-12T10:15:42.390" v="6473" actId="20577"/>
+          <ac:spMkLst>
+            <pc:docMk/>
+            <pc:sldMk cId="314973362" sldId="362"/>
+            <ac:spMk id="5" creationId="{A4CBEB23-213D-264F-2EFC-7FA3BA9BC80E}"/>
+          </ac:spMkLst>
+        </pc:spChg>
+        <pc:spChg chg="add del mod ord">
+          <ac:chgData name="Philip Nys" userId="0f626723c9935f96" providerId="LiveId" clId="{ECCFC341-3C8E-431F-BB40-7F8F36FC14DD}" dt="2023-05-12T10:11:43.633" v="6188"/>
+          <ac:spMkLst>
+            <pc:docMk/>
+            <pc:sldMk cId="314973362" sldId="362"/>
+            <ac:spMk id="6" creationId="{0233FCEC-E3BD-C30E-5E67-CEF804EAEF14}"/>
+          </ac:spMkLst>
+        </pc:spChg>
+      </pc:sldChg>
+      <pc:sldChg chg="addSp delSp modSp new mod modClrScheme chgLayout">
+        <pc:chgData name="Philip Nys" userId="0f626723c9935f96" providerId="LiveId" clId="{ECCFC341-3C8E-431F-BB40-7F8F36FC14DD}" dt="2023-05-12T10:27:22.708" v="6742" actId="20577"/>
+        <pc:sldMkLst>
+          <pc:docMk/>
+          <pc:sldMk cId="1885636932" sldId="363"/>
+        </pc:sldMkLst>
+        <pc:spChg chg="del mod ord">
+          <ac:chgData name="Philip Nys" userId="0f626723c9935f96" providerId="LiveId" clId="{ECCFC341-3C8E-431F-BB40-7F8F36FC14DD}" dt="2023-05-07T13:04:42.076" v="489" actId="700"/>
+          <ac:spMkLst>
+            <pc:docMk/>
+            <pc:sldMk cId="1885636932" sldId="363"/>
+            <ac:spMk id="2" creationId="{7703AC49-236E-9724-D235-43E84572AA4E}"/>
+          </ac:spMkLst>
+        </pc:spChg>
+        <pc:spChg chg="add mod">
+          <ac:chgData name="Philip Nys" userId="0f626723c9935f96" providerId="LiveId" clId="{ECCFC341-3C8E-431F-BB40-7F8F36FC14DD}" dt="2023-05-12T10:27:22.708" v="6742" actId="20577"/>
+          <ac:spMkLst>
+            <pc:docMk/>
+            <pc:sldMk cId="1885636932" sldId="363"/>
+            <ac:spMk id="2" creationId="{7DD98CC6-9713-99A5-885B-0F5C8FBD7E08}"/>
+          </ac:spMkLst>
+        </pc:spChg>
+        <pc:spChg chg="del">
+          <ac:chgData name="Philip Nys" userId="0f626723c9935f96" providerId="LiveId" clId="{ECCFC341-3C8E-431F-BB40-7F8F36FC14DD}" dt="2023-05-07T13:04:42.076" v="489" actId="700"/>
+          <ac:spMkLst>
+            <pc:docMk/>
+            <pc:sldMk cId="1885636932" sldId="363"/>
+            <ac:spMk id="3" creationId="{986A30F3-4266-153A-BCD0-3B7D6B429CE5}"/>
+          </ac:spMkLst>
+        </pc:spChg>
+        <pc:spChg chg="mod ord">
+          <ac:chgData name="Philip Nys" userId="0f626723c9935f96" providerId="LiveId" clId="{ECCFC341-3C8E-431F-BB40-7F8F36FC14DD}" dt="2023-05-12T08:57:09.517" v="2345"/>
+          <ac:spMkLst>
+            <pc:docMk/>
+            <pc:sldMk cId="1885636932" sldId="363"/>
+            <ac:spMk id="4" creationId="{3D80043F-5114-1CF5-6F4A-15E265B754B1}"/>
+          </ac:spMkLst>
+        </pc:spChg>
+        <pc:spChg chg="add mod ord">
+          <ac:chgData name="Philip Nys" userId="0f626723c9935f96" providerId="LiveId" clId="{ECCFC341-3C8E-431F-BB40-7F8F36FC14DD}" dt="2023-05-12T09:37:10.627" v="4188" actId="2711"/>
+          <ac:spMkLst>
+            <pc:docMk/>
+            <pc:sldMk cId="1885636932" sldId="363"/>
+            <ac:spMk id="5" creationId="{FDD66B3C-F4AE-16EA-0B02-32A4E89F562F}"/>
+          </ac:spMkLst>
+        </pc:spChg>
+        <pc:spChg chg="add del mod ord">
+          <ac:chgData name="Philip Nys" userId="0f626723c9935f96" providerId="LiveId" clId="{ECCFC341-3C8E-431F-BB40-7F8F36FC14DD}" dt="2023-05-07T13:26:57.671" v="718" actId="478"/>
+          <ac:spMkLst>
+            <pc:docMk/>
+            <pc:sldMk cId="1885636932" sldId="363"/>
+            <ac:spMk id="6" creationId="{C8F8453B-2A6C-DDD9-1FA2-B7A994A5C2F2}"/>
+          </ac:spMkLst>
+        </pc:spChg>
+      </pc:sldChg>
+      <pc:sldChg chg="addSp delSp modSp new mod modNotesTx">
+        <pc:chgData name="Philip Nys" userId="0f626723c9935f96" providerId="LiveId" clId="{ECCFC341-3C8E-431F-BB40-7F8F36FC14DD}" dt="2023-05-12T09:35:55.221" v="4183" actId="20577"/>
+        <pc:sldMkLst>
+          <pc:docMk/>
+          <pc:sldMk cId="3596586972" sldId="364"/>
+        </pc:sldMkLst>
+        <pc:spChg chg="del">
+          <ac:chgData name="Philip Nys" userId="0f626723c9935f96" providerId="LiveId" clId="{ECCFC341-3C8E-431F-BB40-7F8F36FC14DD}" dt="2023-05-07T14:03:15.541" v="1371" actId="478"/>
+          <ac:spMkLst>
+            <pc:docMk/>
+            <pc:sldMk cId="3596586972" sldId="364"/>
+            <ac:spMk id="2" creationId="{CEF250B0-3C79-317D-9C83-048ABB762F85}"/>
+          </ac:spMkLst>
+        </pc:spChg>
+        <pc:spChg chg="del mod">
+          <ac:chgData name="Philip Nys" userId="0f626723c9935f96" providerId="LiveId" clId="{ECCFC341-3C8E-431F-BB40-7F8F36FC14DD}" dt="2023-05-07T14:03:01.692" v="1365" actId="478"/>
+          <ac:spMkLst>
+            <pc:docMk/>
+            <pc:sldMk cId="3596586972" sldId="364"/>
+            <ac:spMk id="3" creationId="{EC418C6B-2FA3-1FB3-64C4-74D543A68ED4}"/>
+          </ac:spMkLst>
+        </pc:spChg>
+        <pc:spChg chg="mod">
+          <ac:chgData name="Philip Nys" userId="0f626723c9935f96" providerId="LiveId" clId="{ECCFC341-3C8E-431F-BB40-7F8F36FC14DD}" dt="2023-05-12T08:56:23.146" v="2339" actId="20577"/>
+          <ac:spMkLst>
+            <pc:docMk/>
+            <pc:sldMk cId="3596586972" sldId="364"/>
+            <ac:spMk id="4" creationId="{3C8671AC-A511-1EC1-46D6-8F57CBB25486}"/>
+          </ac:spMkLst>
+        </pc:spChg>
+        <pc:spChg chg="add del mod">
+          <ac:chgData name="Philip Nys" userId="0f626723c9935f96" providerId="LiveId" clId="{ECCFC341-3C8E-431F-BB40-7F8F36FC14DD}" dt="2023-05-12T09:07:23.008" v="2580" actId="478"/>
+          <ac:spMkLst>
+            <pc:docMk/>
+            <pc:sldMk cId="3596586972" sldId="364"/>
+            <ac:spMk id="6" creationId="{F75E1091-98FD-0D4F-394A-3DB965CAB935}"/>
+          </ac:spMkLst>
+        </pc:spChg>
+        <pc:spChg chg="add mod">
+          <ac:chgData name="Philip Nys" userId="0f626723c9935f96" providerId="LiveId" clId="{ECCFC341-3C8E-431F-BB40-7F8F36FC14DD}" dt="2023-05-12T09:09:02.324" v="2689" actId="207"/>
+          <ac:spMkLst>
+            <pc:docMk/>
+            <pc:sldMk cId="3596586972" sldId="364"/>
+            <ac:spMk id="7" creationId="{A9959D05-99E6-27BF-576D-38C0B20E4B1E}"/>
+          </ac:spMkLst>
+        </pc:spChg>
+        <pc:spChg chg="add mod">
+          <ac:chgData name="Philip Nys" userId="0f626723c9935f96" providerId="LiveId" clId="{ECCFC341-3C8E-431F-BB40-7F8F36FC14DD}" dt="2023-05-12T09:09:55.881" v="2712" actId="115"/>
+          <ac:spMkLst>
+            <pc:docMk/>
+            <pc:sldMk cId="3596586972" sldId="364"/>
+            <ac:spMk id="8" creationId="{9DAF7117-439E-9B13-5357-098871C483ED}"/>
+          </ac:spMkLst>
+        </pc:spChg>
+        <pc:spChg chg="add mod">
+          <ac:chgData name="Philip Nys" userId="0f626723c9935f96" providerId="LiveId" clId="{ECCFC341-3C8E-431F-BB40-7F8F36FC14DD}" dt="2023-05-12T09:09:47.148" v="2710" actId="115"/>
+          <ac:spMkLst>
+            <pc:docMk/>
+            <pc:sldMk cId="3596586972" sldId="364"/>
+            <ac:spMk id="9" creationId="{1F8D96E7-BAA8-CA33-2E72-79DA02ADD227}"/>
+          </ac:spMkLst>
+        </pc:spChg>
+        <pc:picChg chg="add mod">
+          <ac:chgData name="Philip Nys" userId="0f626723c9935f96" providerId="LiveId" clId="{ECCFC341-3C8E-431F-BB40-7F8F36FC14DD}" dt="2023-05-12T09:08:24.103" v="2684" actId="14861"/>
+          <ac:picMkLst>
+            <pc:docMk/>
+            <pc:sldMk cId="3596586972" sldId="364"/>
+            <ac:picMk id="3" creationId="{77FE0C20-FE99-CFCB-C84C-2CDBC4D7EC15}"/>
+          </ac:picMkLst>
+        </pc:picChg>
+        <pc:picChg chg="add del mod modCrop">
+          <ac:chgData name="Philip Nys" userId="0f626723c9935f96" providerId="LiveId" clId="{ECCFC341-3C8E-431F-BB40-7F8F36FC14DD}" dt="2023-05-12T09:07:19.776" v="2578" actId="478"/>
+          <ac:picMkLst>
+            <pc:docMk/>
+            <pc:sldMk cId="3596586972" sldId="364"/>
+            <ac:picMk id="5" creationId="{D31FC7AE-E23D-B9CE-51A8-45F7D1516AC5}"/>
+          </ac:picMkLst>
+        </pc:picChg>
+        <pc:picChg chg="add del mod">
+          <ac:chgData name="Philip Nys" userId="0f626723c9935f96" providerId="LiveId" clId="{ECCFC341-3C8E-431F-BB40-7F8F36FC14DD}" dt="2023-05-07T14:05:15.918" v="1637"/>
+          <ac:picMkLst>
+            <pc:docMk/>
+            <pc:sldMk cId="3596586972" sldId="364"/>
+            <ac:picMk id="7" creationId="{825F1E24-2C80-5DDE-85AC-8DF54360ACB1}"/>
+          </ac:picMkLst>
+        </pc:picChg>
+      </pc:sldChg>
+      <pc:sldChg chg="addSp delSp modSp new mod modClrScheme chgLayout modNotesTx">
+        <pc:chgData name="Philip Nys" userId="0f626723c9935f96" providerId="LiveId" clId="{ECCFC341-3C8E-431F-BB40-7F8F36FC14DD}" dt="2023-05-12T09:50:23.888" v="5202" actId="20577"/>
+        <pc:sldMkLst>
+          <pc:docMk/>
+          <pc:sldMk cId="2964607789" sldId="365"/>
+        </pc:sldMkLst>
+        <pc:spChg chg="del mod ord">
+          <ac:chgData name="Philip Nys" userId="0f626723c9935f96" providerId="LiveId" clId="{ECCFC341-3C8E-431F-BB40-7F8F36FC14DD}" dt="2023-05-12T08:54:08.955" v="2278" actId="700"/>
+          <ac:spMkLst>
+            <pc:docMk/>
+            <pc:sldMk cId="2964607789" sldId="365"/>
+            <ac:spMk id="2" creationId="{FE3C3169-0101-98F8-0905-27AA6A9065F0}"/>
+          </ac:spMkLst>
+        </pc:spChg>
+        <pc:spChg chg="del">
+          <ac:chgData name="Philip Nys" userId="0f626723c9935f96" providerId="LiveId" clId="{ECCFC341-3C8E-431F-BB40-7F8F36FC14DD}" dt="2023-05-12T08:54:08.955" v="2278" actId="700"/>
+          <ac:spMkLst>
+            <pc:docMk/>
+            <pc:sldMk cId="2964607789" sldId="365"/>
+            <ac:spMk id="3" creationId="{A62AD5C8-8441-70AE-22F5-637C7C976398}"/>
+          </ac:spMkLst>
+        </pc:spChg>
+        <pc:spChg chg="del mod ord">
+          <ac:chgData name="Philip Nys" userId="0f626723c9935f96" providerId="LiveId" clId="{ECCFC341-3C8E-431F-BB40-7F8F36FC14DD}" dt="2023-05-12T08:54:08.955" v="2278" actId="700"/>
+          <ac:spMkLst>
+            <pc:docMk/>
+            <pc:sldMk cId="2964607789" sldId="365"/>
+            <ac:spMk id="4" creationId="{EAF4FA1F-A448-0327-DE3E-1DBD434E0816}"/>
+          </ac:spMkLst>
+        </pc:spChg>
+        <pc:spChg chg="add mod ord">
+          <ac:chgData name="Philip Nys" userId="0f626723c9935f96" providerId="LiveId" clId="{ECCFC341-3C8E-431F-BB40-7F8F36FC14DD}" dt="2023-05-12T08:54:10.885" v="2279"/>
+          <ac:spMkLst>
+            <pc:docMk/>
+            <pc:sldMk cId="2964607789" sldId="365"/>
+            <ac:spMk id="5" creationId="{3AA00B97-4389-B144-752C-A1C8424B53A1}"/>
+          </ac:spMkLst>
+        </pc:spChg>
+        <pc:spChg chg="add mod ord">
+          <ac:chgData name="Philip Nys" userId="0f626723c9935f96" providerId="LiveId" clId="{ECCFC341-3C8E-431F-BB40-7F8F36FC14DD}" dt="2023-05-12T09:48:37.518" v="4972" actId="20577"/>
+          <ac:spMkLst>
+            <pc:docMk/>
+            <pc:sldMk cId="2964607789" sldId="365"/>
+            <ac:spMk id="6" creationId="{95CB6CC0-B52E-9F82-A719-117465DE9662}"/>
+          </ac:spMkLst>
+        </pc:spChg>
+        <pc:spChg chg="add del mod ord">
+          <ac:chgData name="Philip Nys" userId="0f626723c9935f96" providerId="LiveId" clId="{ECCFC341-3C8E-431F-BB40-7F8F36FC14DD}" dt="2023-05-12T09:04:30.335" v="2530" actId="478"/>
+          <ac:spMkLst>
+            <pc:docMk/>
+            <pc:sldMk cId="2964607789" sldId="365"/>
+            <ac:spMk id="7" creationId="{546D97F7-62E4-F1C6-7341-B9717C2D5FA7}"/>
+          </ac:spMkLst>
+        </pc:spChg>
+        <pc:spChg chg="add del">
+          <ac:chgData name="Philip Nys" userId="0f626723c9935f96" providerId="LiveId" clId="{ECCFC341-3C8E-431F-BB40-7F8F36FC14DD}" dt="2023-05-12T08:58:52.424" v="2368"/>
+          <ac:spMkLst>
+            <pc:docMk/>
+            <pc:sldMk cId="2964607789" sldId="365"/>
+            <ac:spMk id="8" creationId="{0E6E1750-725E-B867-D893-B12E9115934A}"/>
+          </ac:spMkLst>
+        </pc:spChg>
+        <pc:spChg chg="add del">
+          <ac:chgData name="Philip Nys" userId="0f626723c9935f96" providerId="LiveId" clId="{ECCFC341-3C8E-431F-BB40-7F8F36FC14DD}" dt="2023-05-12T08:58:56.270" v="2370"/>
+          <ac:spMkLst>
+            <pc:docMk/>
+            <pc:sldMk cId="2964607789" sldId="365"/>
+            <ac:spMk id="9" creationId="{338DBBDF-B3CF-777A-9220-938E9E103A8F}"/>
+          </ac:spMkLst>
+        </pc:spChg>
+      </pc:sldChg>
+      <pc:sldMasterChg chg="delSp modSp mod">
+        <pc:chgData name="Philip Nys" userId="0f626723c9935f96" providerId="LiveId" clId="{ECCFC341-3C8E-431F-BB40-7F8F36FC14DD}" dt="2023-05-12T09:58:33.358" v="5516" actId="20577"/>
+        <pc:sldMasterMkLst>
+          <pc:docMk/>
+          <pc:sldMasterMk cId="3907247464" sldId="2147483710"/>
+        </pc:sldMasterMkLst>
+        <pc:spChg chg="mod">
+          <ac:chgData name="Philip Nys" userId="0f626723c9935f96" providerId="LiveId" clId="{ECCFC341-3C8E-431F-BB40-7F8F36FC14DD}" dt="2023-05-12T09:58:33.358" v="5516" actId="20577"/>
+          <ac:spMkLst>
+            <pc:docMk/>
+            <pc:sldMasterMk cId="3907247464" sldId="2147483710"/>
+            <ac:spMk id="19" creationId="{AFF88A13-194B-9248-BDFD-1579E6D3EC48}"/>
+          </ac:spMkLst>
+        </pc:spChg>
+        <pc:spChg chg="mod">
+          <ac:chgData name="Philip Nys" userId="0f626723c9935f96" providerId="LiveId" clId="{ECCFC341-3C8E-431F-BB40-7F8F36FC14DD}" dt="2023-05-07T14:21:06.060" v="2239"/>
+          <ac:spMkLst>
+            <pc:docMk/>
+            <pc:sldMasterMk cId="3907247464" sldId="2147483710"/>
+            <ac:spMk id="20" creationId="{36184FE9-ADE0-F94C-90C6-58CFCA50F9A4}"/>
+          </ac:spMkLst>
+        </pc:spChg>
+        <pc:picChg chg="del">
+          <ac:chgData name="Philip Nys" userId="0f626723c9935f96" providerId="LiveId" clId="{ECCFC341-3C8E-431F-BB40-7F8F36FC14DD}" dt="2023-05-12T08:23:27.524" v="2241" actId="478"/>
+          <ac:picMkLst>
+            <pc:docMk/>
+            <pc:sldMasterMk cId="3907247464" sldId="2147483710"/>
+            <ac:picMk id="14" creationId="{F0C93F5E-23FA-FA4B-8A4E-25501DAC13C6}"/>
+          </ac:picMkLst>
+        </pc:picChg>
+      </pc:sldMasterChg>
+    </pc:docChg>
+  </pc:docChgLst>
+  <pc:docChgLst>
+    <pc:chgData name="Philip Nys" userId="0f626723c9935f96" providerId="LiveId" clId="{FCD2A67C-599B-2D44-BB65-9120ABFA7E7B}"/>
+    <pc:docChg chg="modSld">
+      <pc:chgData name="Philip Nys" userId="0f626723c9935f96" providerId="LiveId" clId="{FCD2A67C-599B-2D44-BB65-9120ABFA7E7B}" dt="2023-05-08T12:13:37.896" v="2" actId="20577"/>
+      <pc:docMkLst>
+        <pc:docMk/>
+      </pc:docMkLst>
+      <pc:sldChg chg="modSp">
+        <pc:chgData name="Philip Nys" userId="0f626723c9935f96" providerId="LiveId" clId="{FCD2A67C-599B-2D44-BB65-9120ABFA7E7B}" dt="2023-05-08T12:13:37.896" v="2" actId="20577"/>
+        <pc:sldMkLst>
+          <pc:docMk/>
+          <pc:sldMk cId="1344757342" sldId="361"/>
+        </pc:sldMkLst>
+        <pc:spChg chg="mod">
+          <ac:chgData name="Philip Nys" userId="0f626723c9935f96" providerId="LiveId" clId="{FCD2A67C-599B-2D44-BB65-9120ABFA7E7B}" dt="2023-05-08T12:13:37.896" v="2" actId="20577"/>
+          <ac:spMkLst>
+            <pc:docMk/>
+            <pc:sldMk cId="1344757342" sldId="361"/>
+            <ac:spMk id="5" creationId="{2EFDF9EB-CE61-989F-56C3-66D0A018C9B9}"/>
+          </ac:spMkLst>
+        </pc:spChg>
+      </pc:sldChg>
+    </pc:docChg>
+  </pc:docChgLst>
+</pc:chgInfo>
+</file>
+
 <file path=ppt/notesMasters/notesMaster1.xml><?xml version="1.0" encoding="utf-8"?>
 <p:notesMaster xmlns:a="http://schemas.openxmlformats.org/drawingml/2006/main" xmlns:r="http://schemas.openxmlformats.org/officeDocument/2006/relationships" xmlns:p="http://schemas.openxmlformats.org/presentationml/2006/main">
   <p:cSld>
@@ -158,17 +1039,17 @@
         <p:spPr>
           <a:xfrm>
             <a:off x="0" y="0"/>
-            <a:ext cx="2971800" cy="458788"/>
+            <a:ext cx="3078427" cy="513508"/>
           </a:xfrm>
           <a:prstGeom prst="rect">
             <a:avLst/>
           </a:prstGeom>
         </p:spPr>
         <p:txBody>
-          <a:bodyPr vert="horz" lIns="91440" tIns="45720" rIns="91440" bIns="45720" rtlCol="0"/>
+          <a:bodyPr vert="horz" lIns="99075" tIns="49538" rIns="99075" bIns="49538" rtlCol="0"/>
           <a:lstStyle>
             <a:lvl1pPr algn="l">
-              <a:defRPr sz="1200"/>
+              <a:defRPr sz="1300"/>
             </a:lvl1pPr>
           </a:lstStyle>
           <a:p>
@@ -188,24 +1069,24 @@
         </p:nvSpPr>
         <p:spPr>
           <a:xfrm>
-            <a:off x="3884613" y="0"/>
-            <a:ext cx="2971800" cy="458788"/>
+            <a:off x="4023992" y="0"/>
+            <a:ext cx="3078427" cy="513508"/>
           </a:xfrm>
           <a:prstGeom prst="rect">
             <a:avLst/>
           </a:prstGeom>
         </p:spPr>
         <p:txBody>
-          <a:bodyPr vert="horz" lIns="91440" tIns="45720" rIns="91440" bIns="45720" rtlCol="0"/>
+          <a:bodyPr vert="horz" lIns="99075" tIns="49538" rIns="99075" bIns="49538" rtlCol="0"/>
           <a:lstStyle>
             <a:lvl1pPr algn="r">
-              <a:defRPr sz="1200"/>
+              <a:defRPr sz="1300"/>
             </a:lvl1pPr>
           </a:lstStyle>
           <a:p>
             <a:fld id="{00A6180F-3EA1-4748-B4F4-956BB5176995}" type="datetimeFigureOut">
               <a:rPr lang="de-DE" smtClean="0"/>
-              <a:t>01.05.2023</a:t>
+              <a:t>11.06.2023</a:t>
             </a:fld>
             <a:endParaRPr lang="de-DE"/>
           </a:p>
@@ -223,8 +1104,8 @@
         </p:nvSpPr>
         <p:spPr>
           <a:xfrm>
-            <a:off x="685800" y="1143000"/>
-            <a:ext cx="5486400" cy="3086100"/>
+            <a:off x="482600" y="1279525"/>
+            <a:ext cx="6140450" cy="3454400"/>
           </a:xfrm>
           <a:prstGeom prst="rect">
             <a:avLst/>
@@ -237,7 +1118,7 @@
           </a:ln>
         </p:spPr>
         <p:txBody>
-          <a:bodyPr vert="horz" lIns="91440" tIns="45720" rIns="91440" bIns="45720" rtlCol="0" anchor="ctr"/>
+          <a:bodyPr vert="horz" lIns="99075" tIns="49538" rIns="99075" bIns="49538" rtlCol="0" anchor="ctr"/>
           <a:lstStyle/>
           <a:p>
             <a:endParaRPr lang="de-DE"/>
@@ -256,15 +1137,15 @@
         </p:nvSpPr>
         <p:spPr>
           <a:xfrm>
-            <a:off x="685800" y="4400550"/>
-            <a:ext cx="5486400" cy="3600450"/>
+            <a:off x="710407" y="4925407"/>
+            <a:ext cx="5683250" cy="4029879"/>
           </a:xfrm>
           <a:prstGeom prst="rect">
             <a:avLst/>
           </a:prstGeom>
         </p:spPr>
         <p:txBody>
-          <a:bodyPr vert="horz" lIns="91440" tIns="45720" rIns="91440" bIns="45720" rtlCol="0"/>
+          <a:bodyPr vert="horz" lIns="99075" tIns="49538" rIns="99075" bIns="49538" rtlCol="0"/>
           <a:lstStyle/>
           <a:p>
             <a:pPr lvl="0"/>
@@ -315,18 +1196,18 @@
         </p:nvSpPr>
         <p:spPr>
           <a:xfrm>
-            <a:off x="0" y="8685213"/>
-            <a:ext cx="2971800" cy="458787"/>
+            <a:off x="0" y="9721107"/>
+            <a:ext cx="3078427" cy="513507"/>
           </a:xfrm>
           <a:prstGeom prst="rect">
             <a:avLst/>
           </a:prstGeom>
         </p:spPr>
         <p:txBody>
-          <a:bodyPr vert="horz" lIns="91440" tIns="45720" rIns="91440" bIns="45720" rtlCol="0" anchor="b"/>
+          <a:bodyPr vert="horz" lIns="99075" tIns="49538" rIns="99075" bIns="49538" rtlCol="0" anchor="b"/>
           <a:lstStyle>
             <a:lvl1pPr algn="l">
-              <a:defRPr sz="1200"/>
+              <a:defRPr sz="1300"/>
             </a:lvl1pPr>
           </a:lstStyle>
           <a:p>
@@ -346,18 +1227,18 @@
         </p:nvSpPr>
         <p:spPr>
           <a:xfrm>
-            <a:off x="3884613" y="8685213"/>
-            <a:ext cx="2971800" cy="458787"/>
+            <a:off x="4023992" y="9721107"/>
+            <a:ext cx="3078427" cy="513507"/>
           </a:xfrm>
           <a:prstGeom prst="rect">
             <a:avLst/>
           </a:prstGeom>
         </p:spPr>
         <p:txBody>
-          <a:bodyPr vert="horz" lIns="91440" tIns="45720" rIns="91440" bIns="45720" rtlCol="0" anchor="b"/>
+          <a:bodyPr vert="horz" lIns="99075" tIns="49538" rIns="99075" bIns="49538" rtlCol="0" anchor="b"/>
           <a:lstStyle>
             <a:lvl1pPr algn="r">
-              <a:defRPr sz="1200"/>
+              <a:defRPr sz="1300"/>
             </a:lvl1pPr>
           </a:lstStyle>
           <a:p>
@@ -470,6 +1351,90 @@
     </a:lvl9pPr>
   </p:notesStyle>
 </p:notesMaster>
+</file>
+
+<file path=ppt/notesSlides/notesSlide1.xml><?xml version="1.0" encoding="utf-8"?>
+<p:notes xmlns:a="http://schemas.openxmlformats.org/drawingml/2006/main" xmlns:r="http://schemas.openxmlformats.org/officeDocument/2006/relationships" xmlns:p="http://schemas.openxmlformats.org/presentationml/2006/main">
+  <p:cSld>
+    <p:spTree>
+      <p:nvGrpSpPr>
+        <p:cNvPr id="1" name=""/>
+        <p:cNvGrpSpPr/>
+        <p:nvPr/>
+      </p:nvGrpSpPr>
+      <p:grpSpPr>
+        <a:xfrm>
+          <a:off x="0" y="0"/>
+          <a:ext cx="0" cy="0"/>
+          <a:chOff x="0" y="0"/>
+          <a:chExt cx="0" cy="0"/>
+        </a:xfrm>
+      </p:grpSpPr>
+      <p:sp>
+        <p:nvSpPr>
+          <p:cNvPr id="2" name="Slide Image Placeholder 1"/>
+          <p:cNvSpPr>
+            <a:spLocks noGrp="1" noRot="1" noChangeAspect="1"/>
+          </p:cNvSpPr>
+          <p:nvPr>
+            <p:ph type="sldImg"/>
+          </p:nvPr>
+        </p:nvSpPr>
+        <p:spPr/>
+      </p:sp>
+      <p:sp>
+        <p:nvSpPr>
+          <p:cNvPr id="3" name="Notes Placeholder 2"/>
+          <p:cNvSpPr>
+            <a:spLocks noGrp="1"/>
+          </p:cNvSpPr>
+          <p:nvPr>
+            <p:ph type="body" idx="1"/>
+          </p:nvPr>
+        </p:nvSpPr>
+        <p:spPr/>
+        <p:txBody>
+          <a:bodyPr/>
+          <a:lstStyle/>
+          <a:p>
+            <a:endParaRPr lang="de-DE" dirty="0"/>
+          </a:p>
+        </p:txBody>
+      </p:sp>
+      <p:sp>
+        <p:nvSpPr>
+          <p:cNvPr id="4" name="Slide Number Placeholder 3"/>
+          <p:cNvSpPr>
+            <a:spLocks noGrp="1"/>
+          </p:cNvSpPr>
+          <p:nvPr>
+            <p:ph type="sldNum" sz="quarter" idx="5"/>
+          </p:nvPr>
+        </p:nvSpPr>
+        <p:spPr/>
+        <p:txBody>
+          <a:bodyPr/>
+          <a:lstStyle/>
+          <a:p>
+            <a:fld id="{F13C3961-1900-1342-BF9B-82C3215CD312}" type="slidenum">
+              <a:rPr lang="de-DE" smtClean="0"/>
+              <a:t>3</a:t>
+            </a:fld>
+            <a:endParaRPr lang="de-DE"/>
+          </a:p>
+        </p:txBody>
+      </p:sp>
+    </p:spTree>
+    <p:extLst>
+      <p:ext uri="{BB962C8B-B14F-4D97-AF65-F5344CB8AC3E}">
+        <p14:creationId xmlns:p14="http://schemas.microsoft.com/office/powerpoint/2010/main" val="244370265"/>
+      </p:ext>
+    </p:extLst>
+  </p:cSld>
+  <p:clrMapOvr>
+    <a:masterClrMapping/>
+  </p:clrMapOvr>
+</p:notes>
 </file>
 
 <file path=ppt/slideLayouts/slideLayout1.xml><?xml version="1.0" encoding="utf-8"?>
@@ -3612,35 +4577,6 @@
           </a:p>
         </p:txBody>
       </p:sp>
-      <p:pic>
-        <p:nvPicPr>
-          <p:cNvPr id="14" name="Bildplatzhalter 8">
-            <a:extLst>
-              <a:ext uri="{FF2B5EF4-FFF2-40B4-BE49-F238E27FC236}">
-                <a16:creationId xmlns:a16="http://schemas.microsoft.com/office/drawing/2014/main" id="{F0C93F5E-23FA-FA4B-8A4E-25501DAC13C6}"/>
-              </a:ext>
-            </a:extLst>
-          </p:cNvPr>
-          <p:cNvPicPr>
-            <a:picLocks noChangeAspect="1"/>
-          </p:cNvPicPr>
-          <p:nvPr userDrawn="1"/>
-        </p:nvPicPr>
-        <p:blipFill>
-          <a:blip r:embed="rId7"/>
-          <a:srcRect l="344" r="344"/>
-          <a:stretch/>
-        </p:blipFill>
-        <p:spPr>
-          <a:xfrm>
-            <a:off x="9434349" y="5986710"/>
-            <a:ext cx="2250000" cy="576000"/>
-          </a:xfrm>
-          <a:prstGeom prst="rect">
-            <a:avLst/>
-          </a:prstGeom>
-        </p:spPr>
-      </p:pic>
       <p:sp>
         <p:nvSpPr>
           <p:cNvPr id="19" name="Textfeld 18">
@@ -3694,7 +4630,7 @@
                 <a:latin typeface="Arial" panose="020B0604020202020204" pitchFamily="34" charset="0"/>
                 <a:cs typeface="Arial" panose="020B0604020202020204" pitchFamily="34" charset="0"/>
               </a:rPr>
-              <a:t>Seite </a:t>
+              <a:t>Page </a:t>
             </a:r>
             <a:fld id="{675EF3AE-78B3-9641-A88A-C3B5FFA9245E}" type="slidenum">
               <a:rPr lang="de-DE" sz="1200" smtClean="0">
@@ -3779,49 +4715,15 @@
               <a:defRPr/>
             </a:pPr>
             <a:r>
-              <a:rPr lang="de-DE" sz="1200" dirty="0">
+              <a:rPr lang="en-US" sz="1200" dirty="0">
                 <a:solidFill>
                   <a:schemeClr val="bg1"/>
                 </a:solidFill>
                 <a:latin typeface="Arial" panose="020B0604020202020204" pitchFamily="34" charset="0"/>
                 <a:cs typeface="Arial" panose="020B0604020202020204" pitchFamily="34" charset="0"/>
               </a:rPr>
-              <a:t>Max Mustermann | Fachgebiet | Anlass der Präsentation | </a:t>
-            </a:r>
-            <a:fld id="{8AB8AE3C-4F02-BE49-87A2-4A6516160ED6}" type="datetime4">
-              <a:rPr lang="de-DE" sz="1200" smtClean="0">
-                <a:solidFill>
-                  <a:schemeClr val="bg1"/>
-                </a:solidFill>
-                <a:latin typeface="Arial" panose="020B0604020202020204" pitchFamily="34" charset="0"/>
-                <a:cs typeface="Arial" panose="020B0604020202020204" pitchFamily="34" charset="0"/>
-              </a:rPr>
-              <a:pPr marL="0" marR="0" lvl="0" indent="0" algn="l" defTabSz="914400" rtl="0" eaLnBrk="1" fontAlgn="auto" latinLnBrk="0" hangingPunct="1">
-                <a:lnSpc>
-                  <a:spcPct val="100000"/>
-                </a:lnSpc>
-                <a:spcBef>
-                  <a:spcPts val="0"/>
-                </a:spcBef>
-                <a:spcAft>
-                  <a:spcPts val="0"/>
-                </a:spcAft>
-                <a:buClrTx/>
-                <a:buSzTx/>
-                <a:buFontTx/>
-                <a:buNone/>
-                <a:tabLst/>
-                <a:defRPr/>
-              </a:pPr>
-              <a:t>1. Mai 2023</a:t>
-            </a:fld>
-            <a:endParaRPr lang="de-DE" sz="1200" dirty="0">
-              <a:solidFill>
-                <a:schemeClr val="bg1"/>
-              </a:solidFill>
-              <a:latin typeface="Arial" panose="020B0604020202020204" pitchFamily="34" charset="0"/>
-              <a:cs typeface="Arial" panose="020B0604020202020204" pitchFamily="34" charset="0"/>
-            </a:endParaRPr>
+              <a:t>Philip Nys | Open Distributed Systems | Workshop 2 | June 20th 2023</a:t>
+            </a:r>
           </a:p>
         </p:txBody>
       </p:sp>
@@ -4181,7 +5083,7 @@
         <p:spPr>
           <a:xfrm>
             <a:off x="550801" y="4973943"/>
-            <a:ext cx="8328079" cy="923330"/>
+            <a:ext cx="8328079" cy="461665"/>
           </a:xfrm>
           <a:prstGeom prst="rect">
             <a:avLst/>
@@ -4207,9 +5109,19 @@
                 <a:latin typeface="Arial" panose="020B0604020202020204" pitchFamily="34" charset="0"/>
                 <a:cs typeface="Arial" panose="020B0604020202020204" pitchFamily="34" charset="0"/>
               </a:rPr>
-              <a:t>Titel der Präsentation / Thema </a:t>
-            </a:r>
-            <a:br>
+              <a:t>Evaluation </a:t>
+            </a:r>
+            <a:r>
+              <a:rPr lang="de-DE" sz="3000" dirty="0" err="1">
+                <a:solidFill>
+                  <a:schemeClr val="bg1"/>
+                </a:solidFill>
+                <a:latin typeface="Arial" panose="020B0604020202020204" pitchFamily="34" charset="0"/>
+                <a:cs typeface="Arial" panose="020B0604020202020204" pitchFamily="34" charset="0"/>
+              </a:rPr>
+              <a:t>of</a:t>
+            </a:r>
+            <a:r>
               <a:rPr lang="de-DE" sz="3000" dirty="0">
                 <a:solidFill>
                   <a:schemeClr val="bg1"/>
@@ -4217,7 +5129,18 @@
                 <a:latin typeface="Arial" panose="020B0604020202020204" pitchFamily="34" charset="0"/>
                 <a:cs typeface="Arial" panose="020B0604020202020204" pitchFamily="34" charset="0"/>
               </a:rPr>
-            </a:br>
+              <a:t> HTTP/3 </a:t>
+            </a:r>
+            <a:r>
+              <a:rPr lang="de-DE" sz="3000" dirty="0" err="1">
+                <a:solidFill>
+                  <a:schemeClr val="bg1"/>
+                </a:solidFill>
+                <a:latin typeface="Arial" panose="020B0604020202020204" pitchFamily="34" charset="0"/>
+                <a:cs typeface="Arial" panose="020B0604020202020204" pitchFamily="34" charset="0"/>
+              </a:rPr>
+              <a:t>for</a:t>
+            </a:r>
             <a:r>
               <a:rPr lang="de-DE" sz="3000" dirty="0">
                 <a:solidFill>
@@ -4226,25 +5149,8 @@
                 <a:latin typeface="Arial" panose="020B0604020202020204" pitchFamily="34" charset="0"/>
                 <a:cs typeface="Arial" panose="020B0604020202020204" pitchFamily="34" charset="0"/>
               </a:rPr>
-              <a:t>2-zeilig möglich, Arial Regular 30pt, ZA: 36 </a:t>
-            </a:r>
-            <a:r>
-              <a:rPr lang="de-DE" sz="3000" dirty="0" err="1">
-                <a:solidFill>
-                  <a:schemeClr val="bg1"/>
-                </a:solidFill>
-                <a:latin typeface="Arial" panose="020B0604020202020204" pitchFamily="34" charset="0"/>
-                <a:cs typeface="Arial" panose="020B0604020202020204" pitchFamily="34" charset="0"/>
-              </a:rPr>
-              <a:t>pt</a:t>
-            </a:r>
-            <a:endParaRPr lang="de-DE" sz="3000" dirty="0">
-              <a:solidFill>
-                <a:schemeClr val="bg1"/>
-              </a:solidFill>
-              <a:latin typeface="Arial" panose="020B0604020202020204" pitchFamily="34" charset="0"/>
-              <a:cs typeface="Arial" panose="020B0604020202020204" pitchFamily="34" charset="0"/>
-            </a:endParaRPr>
+              <a:t> Media Streaming</a:t>
+            </a:r>
           </a:p>
         </p:txBody>
       </p:sp>
@@ -4301,78 +5207,659 @@
                 <a:latin typeface="Arial" panose="020B0604020202020204" pitchFamily="34" charset="0"/>
                 <a:cs typeface="Arial" panose="020B0604020202020204" pitchFamily="34" charset="0"/>
               </a:rPr>
-              <a:t>Max Mustermann | Fachgebiet | Anlass der Präsentation | </a:t>
-            </a:r>
-            <a:fld id="{0F6880AF-F197-8546-A084-1C3550DC2BAA}" type="datetime4">
-              <a:rPr lang="de-DE" sz="1800" smtClean="0">
-                <a:solidFill>
-                  <a:schemeClr val="bg1"/>
-                </a:solidFill>
-                <a:latin typeface="Arial" panose="020B0604020202020204" pitchFamily="34" charset="0"/>
-                <a:cs typeface="Arial" panose="020B0604020202020204" pitchFamily="34" charset="0"/>
-              </a:rPr>
-              <a:pPr marL="0" marR="0" lvl="0" indent="0" algn="l" defTabSz="914400" rtl="0" eaLnBrk="1" fontAlgn="auto" latinLnBrk="0" hangingPunct="1">
-                <a:lnSpc>
-                  <a:spcPts val="2400"/>
-                </a:lnSpc>
-                <a:spcBef>
-                  <a:spcPts val="0"/>
-                </a:spcBef>
-                <a:spcAft>
-                  <a:spcPts val="0"/>
-                </a:spcAft>
-                <a:buClrTx/>
-                <a:buSzTx/>
-                <a:buFont typeface="Arial" panose="020B0604020202020204" pitchFamily="34" charset="0"/>
-                <a:buNone/>
-                <a:tabLst/>
-                <a:defRPr/>
-              </a:pPr>
-              <a:t>1. Mai 2023</a:t>
-            </a:fld>
-            <a:endParaRPr lang="de-DE" sz="1800" dirty="0">
-              <a:solidFill>
-                <a:schemeClr val="bg1"/>
-              </a:solidFill>
-              <a:latin typeface="Arial" panose="020B0604020202020204" pitchFamily="34" charset="0"/>
-              <a:cs typeface="Arial" panose="020B0604020202020204" pitchFamily="34" charset="0"/>
-            </a:endParaRPr>
+              <a:t>Philip Nys | Open Distributed Systems | Workshop 2 | June 20th 2023</a:t>
+            </a:r>
           </a:p>
         </p:txBody>
       </p:sp>
-      <p:pic>
-        <p:nvPicPr>
-          <p:cNvPr id="10" name="Bildplatzhalter 8">
+    </p:spTree>
+    <p:extLst>
+      <p:ext uri="{BB962C8B-B14F-4D97-AF65-F5344CB8AC3E}">
+        <p14:creationId xmlns:p14="http://schemas.microsoft.com/office/powerpoint/2010/main" val="668842809"/>
+      </p:ext>
+    </p:extLst>
+  </p:cSld>
+  <p:clrMapOvr>
+    <a:masterClrMapping/>
+  </p:clrMapOvr>
+</p:sld>
+</file>
+
+<file path=ppt/slides/slide10.xml><?xml version="1.0" encoding="utf-8"?>
+<p:sld xmlns:a="http://schemas.openxmlformats.org/drawingml/2006/main" xmlns:r="http://schemas.openxmlformats.org/officeDocument/2006/relationships" xmlns:p="http://schemas.openxmlformats.org/presentationml/2006/main">
+  <p:cSld>
+    <p:spTree>
+      <p:nvGrpSpPr>
+        <p:cNvPr id="1" name=""/>
+        <p:cNvGrpSpPr/>
+        <p:nvPr/>
+      </p:nvGrpSpPr>
+      <p:grpSpPr>
+        <a:xfrm>
+          <a:off x="0" y="0"/>
+          <a:ext cx="0" cy="0"/>
+          <a:chOff x="0" y="0"/>
+          <a:chExt cx="0" cy="0"/>
+        </a:xfrm>
+      </p:grpSpPr>
+      <p:sp>
+        <p:nvSpPr>
+          <p:cNvPr id="5" name="Text Placeholder 4">
             <a:extLst>
               <a:ext uri="{FF2B5EF4-FFF2-40B4-BE49-F238E27FC236}">
-                <a16:creationId xmlns:a16="http://schemas.microsoft.com/office/drawing/2014/main" id="{5137168F-F820-384E-9E3B-0C3DBA0FF336}"/>
+                <a16:creationId xmlns:a16="http://schemas.microsoft.com/office/drawing/2014/main" id="{FDD66B3C-F4AE-16EA-0B02-32A4E89F562F}"/>
               </a:ext>
             </a:extLst>
           </p:cNvPr>
-          <p:cNvPicPr>
-            <a:picLocks noChangeAspect="1"/>
-          </p:cNvPicPr>
-          <p:nvPr/>
-        </p:nvPicPr>
-        <p:blipFill>
-          <a:blip r:embed="rId3"/>
-          <a:srcRect l="344" r="344"/>
-          <a:stretch/>
-        </p:blipFill>
+          <p:cNvSpPr>
+            <a:spLocks noGrp="1"/>
+          </p:cNvSpPr>
+          <p:nvPr>
+            <p:ph type="body" sz="quarter" idx="17"/>
+          </p:nvPr>
+        </p:nvSpPr>
         <p:spPr>
           <a:xfrm>
-            <a:off x="9388168" y="5732725"/>
-            <a:ext cx="2250000" cy="576000"/>
+            <a:off x="550800" y="1371600"/>
+            <a:ext cx="9721850" cy="4114800"/>
+          </a:xfrm>
+        </p:spPr>
+        <p:txBody>
+          <a:bodyPr/>
+          <a:lstStyle/>
+          <a:p>
+            <a:r>
+              <a:rPr lang="de-DE" dirty="0"/>
+              <a:t>[1] </a:t>
+            </a:r>
+            <a:r>
+              <a:rPr lang="de-DE" b="0" i="0" dirty="0">
+                <a:solidFill>
+                  <a:srgbClr val="333333"/>
+                </a:solidFill>
+                <a:effectLst/>
+              </a:rPr>
+              <a:t>M. Nguyen, D. Lorenzi, F. </a:t>
+            </a:r>
+            <a:r>
+              <a:rPr lang="de-DE" b="0" i="0" dirty="0" err="1">
+                <a:solidFill>
+                  <a:srgbClr val="333333"/>
+                </a:solidFill>
+                <a:effectLst/>
+              </a:rPr>
+              <a:t>Tashtarian</a:t>
+            </a:r>
+            <a:r>
+              <a:rPr lang="de-DE" b="0" i="0" dirty="0">
+                <a:solidFill>
+                  <a:srgbClr val="333333"/>
+                </a:solidFill>
+                <a:effectLst/>
+              </a:rPr>
+              <a:t>, H. Hellwagner and C. </a:t>
+            </a:r>
+            <a:r>
+              <a:rPr lang="de-DE" b="0" i="0" dirty="0" err="1">
+                <a:solidFill>
+                  <a:srgbClr val="333333"/>
+                </a:solidFill>
+                <a:effectLst/>
+              </a:rPr>
+              <a:t>Timmerer</a:t>
+            </a:r>
+            <a:r>
+              <a:rPr lang="de-DE" b="0" i="0" dirty="0">
+                <a:solidFill>
+                  <a:srgbClr val="333333"/>
+                </a:solidFill>
+                <a:effectLst/>
+              </a:rPr>
+              <a:t>, "</a:t>
+            </a:r>
+            <a:r>
+              <a:rPr lang="de-DE" b="0" i="0" dirty="0" err="1">
+                <a:solidFill>
+                  <a:srgbClr val="333333"/>
+                </a:solidFill>
+                <a:effectLst/>
+              </a:rPr>
+              <a:t>DoFP</a:t>
+            </a:r>
+            <a:r>
+              <a:rPr lang="de-DE" b="0" i="0" dirty="0">
+                <a:solidFill>
+                  <a:srgbClr val="333333"/>
+                </a:solidFill>
+                <a:effectLst/>
+              </a:rPr>
+              <a:t>+: An HTTP/3-Based Adaptive Bitrate Approach </a:t>
+            </a:r>
+            <a:r>
+              <a:rPr lang="de-DE" b="0" i="0" dirty="0" err="1">
+                <a:solidFill>
+                  <a:srgbClr val="333333"/>
+                </a:solidFill>
+                <a:effectLst/>
+              </a:rPr>
+              <a:t>Using</a:t>
+            </a:r>
+            <a:r>
+              <a:rPr lang="de-DE" b="0" i="0" dirty="0">
+                <a:solidFill>
+                  <a:srgbClr val="333333"/>
+                </a:solidFill>
+                <a:effectLst/>
+              </a:rPr>
+              <a:t> </a:t>
+            </a:r>
+            <a:r>
+              <a:rPr lang="de-DE" b="0" i="0" dirty="0" err="1">
+                <a:solidFill>
+                  <a:srgbClr val="333333"/>
+                </a:solidFill>
+                <a:effectLst/>
+              </a:rPr>
+              <a:t>Retransmission</a:t>
+            </a:r>
+            <a:r>
+              <a:rPr lang="de-DE" b="0" i="0" dirty="0">
+                <a:solidFill>
+                  <a:srgbClr val="333333"/>
+                </a:solidFill>
+                <a:effectLst/>
+              </a:rPr>
+              <a:t> </a:t>
+            </a:r>
+            <a:r>
+              <a:rPr lang="de-DE" b="0" i="0" dirty="0" err="1">
+                <a:solidFill>
+                  <a:srgbClr val="333333"/>
+                </a:solidFill>
+                <a:effectLst/>
+              </a:rPr>
+              <a:t>Techniques</a:t>
+            </a:r>
+            <a:r>
+              <a:rPr lang="de-DE" b="0" i="0" dirty="0">
+                <a:solidFill>
+                  <a:srgbClr val="333333"/>
+                </a:solidFill>
+                <a:effectLst/>
+              </a:rPr>
+              <a:t>," in </a:t>
+            </a:r>
+            <a:r>
+              <a:rPr lang="de-DE" b="0" i="1" dirty="0">
+                <a:solidFill>
+                  <a:srgbClr val="333333"/>
+                </a:solidFill>
+                <a:effectLst/>
+              </a:rPr>
+              <a:t>IEEE Access</a:t>
+            </a:r>
+            <a:r>
+              <a:rPr lang="de-DE" b="0" i="0" dirty="0">
+                <a:solidFill>
+                  <a:srgbClr val="333333"/>
+                </a:solidFill>
+                <a:effectLst/>
+              </a:rPr>
+              <a:t>, vol. 10, pp. 109565-109579, 2022, </a:t>
+            </a:r>
+            <a:r>
+              <a:rPr lang="de-DE" b="0" i="0" dirty="0" err="1">
+                <a:solidFill>
+                  <a:srgbClr val="333333"/>
+                </a:solidFill>
+                <a:effectLst/>
+              </a:rPr>
+              <a:t>doi</a:t>
+            </a:r>
+            <a:r>
+              <a:rPr lang="de-DE" b="0" i="0" dirty="0">
+                <a:solidFill>
+                  <a:srgbClr val="333333"/>
+                </a:solidFill>
+                <a:effectLst/>
+              </a:rPr>
+              <a:t>: 10.1109/ACCESS.2022.3214827.</a:t>
+            </a:r>
+          </a:p>
+          <a:p>
+            <a:r>
+              <a:rPr lang="de-DE" dirty="0">
+                <a:solidFill>
+                  <a:srgbClr val="333333"/>
+                </a:solidFill>
+              </a:rPr>
+              <a:t>[2] </a:t>
+            </a:r>
+            <a:r>
+              <a:rPr lang="de-DE" dirty="0" err="1"/>
+              <a:t>Divyashri</a:t>
+            </a:r>
+            <a:r>
+              <a:rPr lang="de-DE" dirty="0"/>
+              <a:t> </a:t>
+            </a:r>
+            <a:r>
+              <a:rPr lang="de-DE" dirty="0" err="1"/>
+              <a:t>Bhat</a:t>
+            </a:r>
+            <a:r>
+              <a:rPr lang="de-DE" dirty="0"/>
+              <a:t>, </a:t>
+            </a:r>
+            <a:r>
+              <a:rPr lang="de-DE" dirty="0" err="1"/>
+              <a:t>Rajvardhan</a:t>
+            </a:r>
+            <a:r>
+              <a:rPr lang="de-DE" dirty="0"/>
+              <a:t> </a:t>
+            </a:r>
+            <a:r>
+              <a:rPr lang="de-DE" dirty="0" err="1"/>
+              <a:t>Deshmukh</a:t>
+            </a:r>
+            <a:r>
+              <a:rPr lang="de-DE" dirty="0"/>
+              <a:t>, and Michael Zink. 2018. </a:t>
+            </a:r>
+            <a:r>
+              <a:rPr lang="de-DE" dirty="0" err="1"/>
+              <a:t>Improving</a:t>
+            </a:r>
+            <a:r>
+              <a:rPr lang="de-DE" dirty="0"/>
+              <a:t> </a:t>
+            </a:r>
+            <a:r>
+              <a:rPr lang="de-DE" dirty="0" err="1"/>
+              <a:t>QoE</a:t>
+            </a:r>
+            <a:r>
+              <a:rPr lang="de-DE" dirty="0"/>
+              <a:t> </a:t>
+            </a:r>
+            <a:r>
+              <a:rPr lang="de-DE" dirty="0" err="1"/>
+              <a:t>of</a:t>
+            </a:r>
+            <a:r>
+              <a:rPr lang="de-DE" dirty="0"/>
+              <a:t> ABR Streaming Sessions </a:t>
+            </a:r>
+            <a:r>
+              <a:rPr lang="de-DE" dirty="0" err="1"/>
+              <a:t>through</a:t>
+            </a:r>
+            <a:r>
+              <a:rPr lang="de-DE" dirty="0"/>
+              <a:t> QUIC </a:t>
+            </a:r>
+            <a:r>
+              <a:rPr lang="de-DE" dirty="0" err="1"/>
+              <a:t>Retransmissions</a:t>
+            </a:r>
+            <a:r>
+              <a:rPr lang="de-DE" dirty="0"/>
+              <a:t>. In Proceedings </a:t>
+            </a:r>
+            <a:r>
+              <a:rPr lang="de-DE" dirty="0" err="1"/>
+              <a:t>of</a:t>
+            </a:r>
+            <a:r>
+              <a:rPr lang="de-DE" dirty="0"/>
+              <a:t> </a:t>
+            </a:r>
+            <a:r>
+              <a:rPr lang="de-DE" dirty="0" err="1"/>
+              <a:t>the</a:t>
+            </a:r>
+            <a:r>
+              <a:rPr lang="de-DE" dirty="0"/>
+              <a:t> 26th ACM international </a:t>
+            </a:r>
+            <a:r>
+              <a:rPr lang="de-DE" dirty="0" err="1"/>
+              <a:t>conference</a:t>
+            </a:r>
+            <a:r>
+              <a:rPr lang="de-DE" dirty="0"/>
+              <a:t> on Multimedia (MM '18). </a:t>
+            </a:r>
+            <a:r>
+              <a:rPr lang="de-DE" dirty="0" err="1"/>
+              <a:t>Association</a:t>
+            </a:r>
+            <a:r>
+              <a:rPr lang="de-DE" dirty="0"/>
+              <a:t> </a:t>
+            </a:r>
+            <a:r>
+              <a:rPr lang="de-DE" dirty="0" err="1"/>
+              <a:t>for</a:t>
+            </a:r>
+            <a:r>
+              <a:rPr lang="de-DE" dirty="0"/>
+              <a:t> Computing Machinery, New York, NY, USA, 1616–1624. </a:t>
+            </a:r>
+            <a:r>
+              <a:rPr lang="de-DE" dirty="0" err="1"/>
+              <a:t>DOI:https</a:t>
+            </a:r>
+            <a:r>
+              <a:rPr lang="de-DE" dirty="0"/>
+              <a:t>://doi.org/10.1145/3240508.3240664</a:t>
+            </a:r>
+          </a:p>
+          <a:p>
+            <a:r>
+              <a:rPr lang="de-DE" dirty="0"/>
+              <a:t>[3] https://github.com/facebookexperimental/webcodecs-capture-play</a:t>
+            </a:r>
+          </a:p>
+          <a:p>
+            <a:r>
+              <a:rPr lang="de-DE" dirty="0"/>
+              <a:t>[4] https://github.com/kixelated/warp</a:t>
+            </a:r>
+          </a:p>
+          <a:p>
+            <a:r>
+              <a:rPr lang="de-DE" dirty="0"/>
+              <a:t>[5] </a:t>
+            </a:r>
+            <a:r>
+              <a:rPr lang="de-DE" dirty="0">
+                <a:hlinkClick r:id="rId2"/>
+              </a:rPr>
+              <a:t>https://github.com/Quicr/qmedia</a:t>
+            </a:r>
+            <a:endParaRPr lang="de-DE" dirty="0"/>
+          </a:p>
+          <a:p>
+            <a:r>
+              <a:rPr lang="de-DE" dirty="0"/>
+              <a:t>[6] https://w3techs.com/technologies/details/ce-httpsdefault</a:t>
+            </a:r>
+          </a:p>
+        </p:txBody>
+      </p:sp>
+      <p:sp>
+        <p:nvSpPr>
+          <p:cNvPr id="4" name="Text Placeholder 3">
+            <a:extLst>
+              <a:ext uri="{FF2B5EF4-FFF2-40B4-BE49-F238E27FC236}">
+                <a16:creationId xmlns:a16="http://schemas.microsoft.com/office/drawing/2014/main" id="{3D80043F-5114-1CF5-6F4A-15E265B754B1}"/>
+              </a:ext>
+            </a:extLst>
+          </p:cNvPr>
+          <p:cNvSpPr>
+            <a:spLocks noGrp="1"/>
+          </p:cNvSpPr>
+          <p:nvPr>
+            <p:ph type="body" sz="quarter" idx="14"/>
+          </p:nvPr>
+        </p:nvSpPr>
+        <p:spPr/>
+        <p:txBody>
+          <a:bodyPr/>
+          <a:lstStyle/>
+          <a:p>
+            <a:r>
+              <a:rPr lang="de-DE" dirty="0"/>
+              <a:t>References</a:t>
+            </a:r>
+          </a:p>
+          <a:p>
+            <a:endParaRPr lang="de-DE" dirty="0"/>
+          </a:p>
+        </p:txBody>
+      </p:sp>
+      <p:sp>
+        <p:nvSpPr>
+          <p:cNvPr id="2" name="Text Placeholder 3">
+            <a:extLst>
+              <a:ext uri="{FF2B5EF4-FFF2-40B4-BE49-F238E27FC236}">
+                <a16:creationId xmlns:a16="http://schemas.microsoft.com/office/drawing/2014/main" id="{7DD98CC6-9713-99A5-885B-0F5C8FBD7E08}"/>
+              </a:ext>
+            </a:extLst>
+          </p:cNvPr>
+          <p:cNvSpPr txBox="1">
+            <a:spLocks/>
+          </p:cNvSpPr>
+          <p:nvPr/>
+        </p:nvSpPr>
+        <p:spPr>
+          <a:xfrm>
+            <a:off x="550800" y="5127681"/>
+            <a:ext cx="8311908" cy="717437"/>
           </a:xfrm>
           <a:prstGeom prst="rect">
             <a:avLst/>
           </a:prstGeom>
         </p:spPr>
-      </p:pic>
+        <p:txBody>
+          <a:bodyPr lIns="0" tIns="0" rIns="0" bIns="0" anchor="b" anchorCtr="0"/>
+          <a:lstStyle>
+            <a:lvl1pPr marL="0" indent="0" algn="l" defTabSz="914400" rtl="0" eaLnBrk="1" latinLnBrk="0" hangingPunct="1">
+              <a:lnSpc>
+                <a:spcPts val="2800"/>
+              </a:lnSpc>
+              <a:spcBef>
+                <a:spcPts val="0"/>
+              </a:spcBef>
+              <a:buFont typeface="Arial" panose="020B0604020202020204" pitchFamily="34" charset="0"/>
+              <a:buNone/>
+              <a:defRPr sz="2400" kern="1200">
+                <a:solidFill>
+                  <a:srgbClr val="C40D1E"/>
+                </a:solidFill>
+                <a:latin typeface="Arial" panose="020B0604020202020204" pitchFamily="34" charset="0"/>
+                <a:ea typeface="+mn-ea"/>
+                <a:cs typeface="Arial" panose="020B0604020202020204" pitchFamily="34" charset="0"/>
+              </a:defRPr>
+            </a:lvl1pPr>
+            <a:lvl2pPr marL="685800" indent="-228600" algn="l" defTabSz="914400" rtl="0" eaLnBrk="1" latinLnBrk="0" hangingPunct="1">
+              <a:lnSpc>
+                <a:spcPct val="90000"/>
+              </a:lnSpc>
+              <a:spcBef>
+                <a:spcPts val="500"/>
+              </a:spcBef>
+              <a:buFont typeface="Arial" panose="020B0604020202020204" pitchFamily="34" charset="0"/>
+              <a:buChar char="•"/>
+              <a:defRPr sz="2400" kern="1200">
+                <a:solidFill>
+                  <a:schemeClr val="tx1"/>
+                </a:solidFill>
+                <a:latin typeface="+mn-lt"/>
+                <a:ea typeface="+mn-ea"/>
+                <a:cs typeface="+mn-cs"/>
+              </a:defRPr>
+            </a:lvl2pPr>
+            <a:lvl3pPr marL="1143000" indent="-228600" algn="l" defTabSz="914400" rtl="0" eaLnBrk="1" latinLnBrk="0" hangingPunct="1">
+              <a:lnSpc>
+                <a:spcPct val="90000"/>
+              </a:lnSpc>
+              <a:spcBef>
+                <a:spcPts val="500"/>
+              </a:spcBef>
+              <a:buFont typeface="Arial" panose="020B0604020202020204" pitchFamily="34" charset="0"/>
+              <a:buChar char="•"/>
+              <a:defRPr sz="2000" kern="1200">
+                <a:solidFill>
+                  <a:schemeClr val="tx1"/>
+                </a:solidFill>
+                <a:latin typeface="+mn-lt"/>
+                <a:ea typeface="+mn-ea"/>
+                <a:cs typeface="+mn-cs"/>
+              </a:defRPr>
+            </a:lvl3pPr>
+            <a:lvl4pPr marL="1600200" indent="-228600" algn="l" defTabSz="914400" rtl="0" eaLnBrk="1" latinLnBrk="0" hangingPunct="1">
+              <a:lnSpc>
+                <a:spcPct val="90000"/>
+              </a:lnSpc>
+              <a:spcBef>
+                <a:spcPts val="500"/>
+              </a:spcBef>
+              <a:buFont typeface="Arial" panose="020B0604020202020204" pitchFamily="34" charset="0"/>
+              <a:buChar char="•"/>
+              <a:defRPr sz="1800" kern="1200">
+                <a:solidFill>
+                  <a:schemeClr val="tx1"/>
+                </a:solidFill>
+                <a:latin typeface="+mn-lt"/>
+                <a:ea typeface="+mn-ea"/>
+                <a:cs typeface="+mn-cs"/>
+              </a:defRPr>
+            </a:lvl4pPr>
+            <a:lvl5pPr marL="2057400" indent="-228600" algn="l" defTabSz="914400" rtl="0" eaLnBrk="1" latinLnBrk="0" hangingPunct="1">
+              <a:lnSpc>
+                <a:spcPct val="90000"/>
+              </a:lnSpc>
+              <a:spcBef>
+                <a:spcPts val="500"/>
+              </a:spcBef>
+              <a:buFont typeface="Arial" panose="020B0604020202020204" pitchFamily="34" charset="0"/>
+              <a:buChar char="•"/>
+              <a:defRPr sz="1800" kern="1200">
+                <a:solidFill>
+                  <a:schemeClr val="tx1"/>
+                </a:solidFill>
+                <a:latin typeface="+mn-lt"/>
+                <a:ea typeface="+mn-ea"/>
+                <a:cs typeface="+mn-cs"/>
+              </a:defRPr>
+            </a:lvl5pPr>
+            <a:lvl6pPr marL="2514600" indent="-228600" algn="l" defTabSz="914400" rtl="0" eaLnBrk="1" latinLnBrk="0" hangingPunct="1">
+              <a:lnSpc>
+                <a:spcPct val="90000"/>
+              </a:lnSpc>
+              <a:spcBef>
+                <a:spcPts val="500"/>
+              </a:spcBef>
+              <a:buFont typeface="Arial" panose="020B0604020202020204" pitchFamily="34" charset="0"/>
+              <a:buChar char="•"/>
+              <a:defRPr sz="1800" kern="1200">
+                <a:solidFill>
+                  <a:schemeClr val="tx1"/>
+                </a:solidFill>
+                <a:latin typeface="+mn-lt"/>
+                <a:ea typeface="+mn-ea"/>
+                <a:cs typeface="+mn-cs"/>
+              </a:defRPr>
+            </a:lvl6pPr>
+            <a:lvl7pPr marL="2971800" indent="-228600" algn="l" defTabSz="914400" rtl="0" eaLnBrk="1" latinLnBrk="0" hangingPunct="1">
+              <a:lnSpc>
+                <a:spcPct val="90000"/>
+              </a:lnSpc>
+              <a:spcBef>
+                <a:spcPts val="500"/>
+              </a:spcBef>
+              <a:buFont typeface="Arial" panose="020B0604020202020204" pitchFamily="34" charset="0"/>
+              <a:buChar char="•"/>
+              <a:defRPr sz="1800" kern="1200">
+                <a:solidFill>
+                  <a:schemeClr val="tx1"/>
+                </a:solidFill>
+                <a:latin typeface="+mn-lt"/>
+                <a:ea typeface="+mn-ea"/>
+                <a:cs typeface="+mn-cs"/>
+              </a:defRPr>
+            </a:lvl7pPr>
+            <a:lvl8pPr marL="3429000" indent="-228600" algn="l" defTabSz="914400" rtl="0" eaLnBrk="1" latinLnBrk="0" hangingPunct="1">
+              <a:lnSpc>
+                <a:spcPct val="90000"/>
+              </a:lnSpc>
+              <a:spcBef>
+                <a:spcPts val="500"/>
+              </a:spcBef>
+              <a:buFont typeface="Arial" panose="020B0604020202020204" pitchFamily="34" charset="0"/>
+              <a:buChar char="•"/>
+              <a:defRPr sz="1800" kern="1200">
+                <a:solidFill>
+                  <a:schemeClr val="tx1"/>
+                </a:solidFill>
+                <a:latin typeface="+mn-lt"/>
+                <a:ea typeface="+mn-ea"/>
+                <a:cs typeface="+mn-cs"/>
+              </a:defRPr>
+            </a:lvl8pPr>
+            <a:lvl9pPr marL="3886200" indent="-228600" algn="l" defTabSz="914400" rtl="0" eaLnBrk="1" latinLnBrk="0" hangingPunct="1">
+              <a:lnSpc>
+                <a:spcPct val="90000"/>
+              </a:lnSpc>
+              <a:spcBef>
+                <a:spcPts val="500"/>
+              </a:spcBef>
+              <a:buFont typeface="Arial" panose="020B0604020202020204" pitchFamily="34" charset="0"/>
+              <a:buChar char="•"/>
+              <a:defRPr sz="1800" kern="1200">
+                <a:solidFill>
+                  <a:schemeClr val="tx1"/>
+                </a:solidFill>
+                <a:latin typeface="+mn-lt"/>
+                <a:ea typeface="+mn-ea"/>
+                <a:cs typeface="+mn-cs"/>
+              </a:defRPr>
+            </a:lvl9pPr>
+          </a:lstStyle>
+          <a:p>
+            <a:r>
+              <a:rPr lang="de-DE" dirty="0" err="1"/>
+              <a:t>Thank</a:t>
+            </a:r>
+            <a:r>
+              <a:rPr lang="de-DE" dirty="0"/>
+              <a:t> </a:t>
+            </a:r>
+            <a:r>
+              <a:rPr lang="de-DE" dirty="0" err="1"/>
+              <a:t>you</a:t>
+            </a:r>
+            <a:r>
+              <a:rPr lang="de-DE" dirty="0"/>
+              <a:t> </a:t>
+            </a:r>
+            <a:r>
+              <a:rPr lang="de-DE" dirty="0" err="1"/>
+              <a:t>for</a:t>
+            </a:r>
+            <a:r>
+              <a:rPr lang="de-DE" dirty="0"/>
+              <a:t> </a:t>
+            </a:r>
+            <a:r>
+              <a:rPr lang="de-DE" dirty="0" err="1"/>
+              <a:t>listening</a:t>
+            </a:r>
+            <a:r>
+              <a:rPr lang="de-DE" dirty="0"/>
+              <a:t>! Any </a:t>
+            </a:r>
+            <a:r>
+              <a:rPr lang="de-DE" dirty="0" err="1"/>
+              <a:t>questions</a:t>
+            </a:r>
+            <a:r>
+              <a:rPr lang="de-DE" dirty="0"/>
+              <a:t>?</a:t>
+            </a:r>
+          </a:p>
+          <a:p>
+            <a:endParaRPr lang="de-DE" dirty="0"/>
+          </a:p>
+        </p:txBody>
+      </p:sp>
     </p:spTree>
     <p:extLst>
       <p:ext uri="{BB962C8B-B14F-4D97-AF65-F5344CB8AC3E}">
-        <p14:creationId xmlns:p14="http://schemas.microsoft.com/office/powerpoint/2010/main" val="668842809"/>
+        <p14:creationId xmlns:p14="http://schemas.microsoft.com/office/powerpoint/2010/main" val="1885636932"/>
       </p:ext>
     </p:extLst>
   </p:cSld>
@@ -4401,211 +5888,179 @@
       </p:grpSpPr>
       <p:sp>
         <p:nvSpPr>
-          <p:cNvPr id="4" name="Textfeld 3">
+          <p:cNvPr id="3" name="Textplatzhalter 2">
             <a:extLst>
               <a:ext uri="{FF2B5EF4-FFF2-40B4-BE49-F238E27FC236}">
-                <a16:creationId xmlns:a16="http://schemas.microsoft.com/office/drawing/2014/main" id="{B91E010B-877E-604A-96C7-32EFC5B57054}"/>
+                <a16:creationId xmlns:a16="http://schemas.microsoft.com/office/drawing/2014/main" id="{AE105368-A57B-B34E-B39D-32988103397A}"/>
               </a:ext>
             </a:extLst>
           </p:cNvPr>
-          <p:cNvSpPr txBox="1"/>
-          <p:nvPr/>
+          <p:cNvSpPr>
+            <a:spLocks noGrp="1"/>
+          </p:cNvSpPr>
+          <p:nvPr>
+            <p:ph type="body" sz="quarter" idx="17"/>
+          </p:nvPr>
         </p:nvSpPr>
         <p:spPr>
           <a:xfrm>
-            <a:off x="550801" y="4973943"/>
-            <a:ext cx="8328079" cy="923330"/>
+            <a:off x="550800" y="1371600"/>
+            <a:ext cx="9721850" cy="2057400"/>
           </a:xfrm>
-          <a:prstGeom prst="rect">
-            <a:avLst/>
-          </a:prstGeom>
-          <a:noFill/>
         </p:spPr>
         <p:txBody>
-          <a:bodyPr wrap="square" lIns="0" tIns="0" rIns="0" bIns="0" rtlCol="0">
-            <a:spAutoFit/>
-          </a:bodyPr>
+          <a:bodyPr/>
           <a:lstStyle/>
           <a:p>
-            <a:pPr>
-              <a:lnSpc>
-                <a:spcPts val="3600"/>
-              </a:lnSpc>
+            <a:pPr marL="285750" indent="-285750">
+              <a:buFontTx/>
+              <a:buChar char="-"/>
             </a:pPr>
             <a:r>
-              <a:rPr lang="de-DE" sz="3000" dirty="0">
-                <a:solidFill>
-                  <a:schemeClr val="bg1"/>
-                </a:solidFill>
+              <a:rPr lang="de-DE" dirty="0" err="1"/>
+              <a:t>Recap</a:t>
+            </a:r>
+            <a:r>
+              <a:rPr lang="de-DE" dirty="0"/>
+              <a:t> Problem Statement</a:t>
+            </a:r>
+          </a:p>
+          <a:p>
+            <a:pPr marL="285750" indent="-285750">
+              <a:buFontTx/>
+              <a:buChar char="-"/>
+            </a:pPr>
+            <a:r>
+              <a:rPr lang="de-DE" dirty="0" err="1"/>
+              <a:t>Proposed</a:t>
+            </a:r>
+            <a:r>
+              <a:rPr lang="de-DE" dirty="0"/>
+              <a:t> Solutions and Progress</a:t>
+            </a:r>
+          </a:p>
+          <a:p>
+            <a:pPr marL="971550" lvl="1" indent="-285750">
+              <a:buFontTx/>
+              <a:buChar char="-"/>
+            </a:pPr>
+            <a:r>
+              <a:rPr lang="de-DE" sz="1800" dirty="0">
                 <a:latin typeface="Arial" panose="020B0604020202020204" pitchFamily="34" charset="0"/>
                 <a:cs typeface="Arial" panose="020B0604020202020204" pitchFamily="34" charset="0"/>
               </a:rPr>
-              <a:t>Titel der Präsentation / Thema </a:t>
-            </a:r>
-            <a:br>
-              <a:rPr lang="de-DE" sz="3000" dirty="0">
-                <a:solidFill>
-                  <a:schemeClr val="bg1"/>
-                </a:solidFill>
+              <a:t>WARP / MOQT</a:t>
+            </a:r>
+          </a:p>
+          <a:p>
+            <a:pPr marL="971550" lvl="1" indent="-285750">
+              <a:buFontTx/>
+              <a:buChar char="-"/>
+            </a:pPr>
+            <a:r>
+              <a:rPr lang="de-DE" sz="1800" dirty="0">
                 <a:latin typeface="Arial" panose="020B0604020202020204" pitchFamily="34" charset="0"/>
                 <a:cs typeface="Arial" panose="020B0604020202020204" pitchFamily="34" charset="0"/>
               </a:rPr>
-            </a:br>
-            <a:r>
-              <a:rPr lang="de-DE" sz="3000" dirty="0">
-                <a:solidFill>
-                  <a:schemeClr val="bg1"/>
-                </a:solidFill>
+              <a:t>RUSH</a:t>
+            </a:r>
+          </a:p>
+          <a:p>
+            <a:pPr marL="971550" lvl="1" indent="-285750">
+              <a:buFontTx/>
+              <a:buChar char="-"/>
+            </a:pPr>
+            <a:r>
+              <a:rPr lang="de-DE" sz="1800" dirty="0">
                 <a:latin typeface="Arial" panose="020B0604020202020204" pitchFamily="34" charset="0"/>
                 <a:cs typeface="Arial" panose="020B0604020202020204" pitchFamily="34" charset="0"/>
               </a:rPr>
-              <a:t>2-zeilig möglich, Arial Regular 30pt, ZA: 36 </a:t>
-            </a:r>
-            <a:r>
-              <a:rPr lang="de-DE" sz="3000" dirty="0" err="1">
-                <a:solidFill>
-                  <a:schemeClr val="bg1"/>
-                </a:solidFill>
-                <a:latin typeface="Arial" panose="020B0604020202020204" pitchFamily="34" charset="0"/>
-                <a:cs typeface="Arial" panose="020B0604020202020204" pitchFamily="34" charset="0"/>
-              </a:rPr>
-              <a:t>pt</a:t>
-            </a:r>
-            <a:endParaRPr lang="de-DE" sz="3000" dirty="0">
-              <a:solidFill>
-                <a:schemeClr val="bg1"/>
-              </a:solidFill>
-              <a:latin typeface="Arial" panose="020B0604020202020204" pitchFamily="34" charset="0"/>
-              <a:cs typeface="Arial" panose="020B0604020202020204" pitchFamily="34" charset="0"/>
-            </a:endParaRPr>
+              <a:t>QUICR</a:t>
+            </a:r>
+          </a:p>
+          <a:p>
+            <a:pPr marL="285750" indent="-285750">
+              <a:buFontTx/>
+              <a:buChar char="-"/>
+            </a:pPr>
+            <a:r>
+              <a:rPr lang="de-DE" dirty="0"/>
+              <a:t>Challenges/Blockers</a:t>
+            </a:r>
+          </a:p>
+          <a:p>
+            <a:pPr marL="285750" indent="-285750">
+              <a:buFontTx/>
+              <a:buChar char="-"/>
+            </a:pPr>
+            <a:r>
+              <a:rPr lang="de-DE" dirty="0"/>
+              <a:t>Demo Recording</a:t>
+            </a:r>
+          </a:p>
+          <a:p>
+            <a:pPr marL="285750" indent="-285750">
+              <a:buFontTx/>
+              <a:buChar char="-"/>
+            </a:pPr>
+            <a:r>
+              <a:rPr lang="de-DE" dirty="0"/>
+              <a:t>Next </a:t>
+            </a:r>
+            <a:r>
+              <a:rPr lang="de-DE" dirty="0" err="1"/>
+              <a:t>Steps</a:t>
+            </a:r>
+            <a:endParaRPr lang="de-DE" dirty="0"/>
+          </a:p>
+          <a:p>
+            <a:pPr marL="285750" indent="-285750">
+              <a:buFontTx/>
+              <a:buChar char="-"/>
+            </a:pPr>
+            <a:r>
+              <a:rPr lang="de-DE" dirty="0"/>
+              <a:t>References</a:t>
+            </a:r>
           </a:p>
         </p:txBody>
       </p:sp>
       <p:sp>
         <p:nvSpPr>
-          <p:cNvPr id="5" name="Textfeld 4">
+          <p:cNvPr id="4" name="Textplatzhalter 3">
             <a:extLst>
               <a:ext uri="{FF2B5EF4-FFF2-40B4-BE49-F238E27FC236}">
-                <a16:creationId xmlns:a16="http://schemas.microsoft.com/office/drawing/2014/main" id="{A7FB4931-3EF5-3045-BA3B-F8959781C0D1}"/>
+                <a16:creationId xmlns:a16="http://schemas.microsoft.com/office/drawing/2014/main" id="{1DDBDE21-4AC1-EB4D-9875-252AE5A899AE}"/>
               </a:ext>
             </a:extLst>
           </p:cNvPr>
-          <p:cNvSpPr txBox="1"/>
-          <p:nvPr/>
+          <p:cNvSpPr>
+            <a:spLocks noGrp="1"/>
+          </p:cNvSpPr>
+          <p:nvPr>
+            <p:ph type="body" sz="quarter" idx="14"/>
+          </p:nvPr>
         </p:nvSpPr>
-        <p:spPr>
-          <a:xfrm>
-            <a:off x="550801" y="6085778"/>
-            <a:ext cx="8328079" cy="283347"/>
-          </a:xfrm>
-          <a:prstGeom prst="rect">
-            <a:avLst/>
-          </a:prstGeom>
-          <a:noFill/>
-        </p:spPr>
+        <p:spPr/>
         <p:txBody>
-          <a:bodyPr wrap="square" lIns="0" tIns="0" rIns="0" bIns="0" rtlCol="0">
-            <a:spAutoFit/>
-          </a:bodyPr>
+          <a:bodyPr/>
           <a:lstStyle/>
           <a:p>
-            <a:pPr marL="0" marR="0" lvl="0" indent="0" algn="l" defTabSz="914400" rtl="0" eaLnBrk="1" fontAlgn="auto" latinLnBrk="0" hangingPunct="1">
-              <a:lnSpc>
-                <a:spcPts val="2400"/>
-              </a:lnSpc>
-              <a:spcBef>
-                <a:spcPts val="0"/>
-              </a:spcBef>
-              <a:spcAft>
-                <a:spcPts val="0"/>
-              </a:spcAft>
-              <a:buClrTx/>
-              <a:buSzTx/>
-              <a:buFont typeface="Arial" panose="020B0604020202020204" pitchFamily="34" charset="0"/>
-              <a:buNone/>
-              <a:tabLst/>
-              <a:defRPr/>
-            </a:pPr>
-            <a:r>
-              <a:rPr lang="de-DE" sz="1800" dirty="0">
-                <a:solidFill>
-                  <a:schemeClr val="bg1"/>
-                </a:solidFill>
-                <a:latin typeface="Arial" panose="020B0604020202020204" pitchFamily="34" charset="0"/>
-                <a:cs typeface="Arial" panose="020B0604020202020204" pitchFamily="34" charset="0"/>
-              </a:rPr>
-              <a:t>Max Mustermann | Fachgebiet | Anlass der Präsentation | </a:t>
-            </a:r>
-            <a:fld id="{0F6880AF-F197-8546-A084-1C3550DC2BAA}" type="datetime4">
-              <a:rPr lang="de-DE" sz="1800" smtClean="0">
-                <a:solidFill>
-                  <a:schemeClr val="bg1"/>
-                </a:solidFill>
-                <a:latin typeface="Arial" panose="020B0604020202020204" pitchFamily="34" charset="0"/>
-                <a:cs typeface="Arial" panose="020B0604020202020204" pitchFamily="34" charset="0"/>
-              </a:rPr>
-              <a:pPr marL="0" marR="0" lvl="0" indent="0" algn="l" defTabSz="914400" rtl="0" eaLnBrk="1" fontAlgn="auto" latinLnBrk="0" hangingPunct="1">
-                <a:lnSpc>
-                  <a:spcPts val="2400"/>
-                </a:lnSpc>
-                <a:spcBef>
-                  <a:spcPts val="0"/>
-                </a:spcBef>
-                <a:spcAft>
-                  <a:spcPts val="0"/>
-                </a:spcAft>
-                <a:buClrTx/>
-                <a:buSzTx/>
-                <a:buFont typeface="Arial" panose="020B0604020202020204" pitchFamily="34" charset="0"/>
-                <a:buNone/>
-                <a:tabLst/>
-                <a:defRPr/>
-              </a:pPr>
-              <a:t>1. Mai 2023</a:t>
-            </a:fld>
-            <a:endParaRPr lang="de-DE" sz="1800" dirty="0">
-              <a:solidFill>
-                <a:schemeClr val="bg1"/>
-              </a:solidFill>
-              <a:latin typeface="Arial" panose="020B0604020202020204" pitchFamily="34" charset="0"/>
-              <a:cs typeface="Arial" panose="020B0604020202020204" pitchFamily="34" charset="0"/>
-            </a:endParaRPr>
+            <a:r>
+              <a:rPr lang="de-DE" dirty="0" err="1"/>
+              <a:t>Overview</a:t>
+            </a:r>
+            <a:endParaRPr lang="de-DE" dirty="0"/>
+          </a:p>
+          <a:p>
+            <a:endParaRPr lang="de-DE" dirty="0"/>
           </a:p>
         </p:txBody>
       </p:sp>
-      <p:pic>
-        <p:nvPicPr>
-          <p:cNvPr id="6" name="Bildplatzhalter 8">
-            <a:extLst>
-              <a:ext uri="{FF2B5EF4-FFF2-40B4-BE49-F238E27FC236}">
-                <a16:creationId xmlns:a16="http://schemas.microsoft.com/office/drawing/2014/main" id="{141C853B-93AB-0D46-AC3B-23F54D2085FA}"/>
-              </a:ext>
-            </a:extLst>
-          </p:cNvPr>
-          <p:cNvPicPr>
-            <a:picLocks noChangeAspect="1"/>
-          </p:cNvPicPr>
-          <p:nvPr/>
-        </p:nvPicPr>
-        <p:blipFill>
-          <a:blip r:embed="rId2"/>
-          <a:srcRect l="344" r="344"/>
-          <a:stretch/>
-        </p:blipFill>
-        <p:spPr>
-          <a:xfrm>
-            <a:off x="9388168" y="5732725"/>
-            <a:ext cx="2250000" cy="576000"/>
-          </a:xfrm>
-          <a:prstGeom prst="rect">
-            <a:avLst/>
-          </a:prstGeom>
-        </p:spPr>
-      </p:pic>
     </p:spTree>
     <p:extLst>
       <p:ext uri="{BB962C8B-B14F-4D97-AF65-F5344CB8AC3E}">
-        <p14:creationId xmlns:p14="http://schemas.microsoft.com/office/powerpoint/2010/main" val="3533876914"/>
+        <p14:creationId xmlns:p14="http://schemas.microsoft.com/office/powerpoint/2010/main" val="2026090156"/>
       </p:ext>
     </p:extLst>
   </p:cSld>
@@ -4634,35 +6089,10 @@
       </p:grpSpPr>
       <p:sp>
         <p:nvSpPr>
-          <p:cNvPr id="2" name="Textplatzhalter 1">
+          <p:cNvPr id="2" name="Text Placeholder 1">
             <a:extLst>
               <a:ext uri="{FF2B5EF4-FFF2-40B4-BE49-F238E27FC236}">
-                <a16:creationId xmlns:a16="http://schemas.microsoft.com/office/drawing/2014/main" id="{3913C5CE-83A0-B44C-9181-4118DEE6BCFA}"/>
-              </a:ext>
-            </a:extLst>
-          </p:cNvPr>
-          <p:cNvSpPr>
-            <a:spLocks noGrp="1"/>
-          </p:cNvSpPr>
-          <p:nvPr>
-            <p:ph type="body" sz="quarter" idx="18"/>
-          </p:nvPr>
-        </p:nvSpPr>
-        <p:spPr/>
-        <p:txBody>
-          <a:bodyPr/>
-          <a:lstStyle/>
-          <a:p>
-            <a:endParaRPr lang="de-DE" dirty="0"/>
-          </a:p>
-        </p:txBody>
-      </p:sp>
-      <p:sp>
-        <p:nvSpPr>
-          <p:cNvPr id="3" name="Textplatzhalter 2">
-            <a:extLst>
-              <a:ext uri="{FF2B5EF4-FFF2-40B4-BE49-F238E27FC236}">
-                <a16:creationId xmlns:a16="http://schemas.microsoft.com/office/drawing/2014/main" id="{AE105368-A57B-B34E-B39D-32988103397A}"/>
+                <a16:creationId xmlns:a16="http://schemas.microsoft.com/office/drawing/2014/main" id="{01DD0431-E3B5-02E3-06FE-A022EB17182C}"/>
               </a:ext>
             </a:extLst>
           </p:cNvPr>
@@ -4673,21 +6103,310 @@
             <p:ph type="body" sz="quarter" idx="17"/>
           </p:nvPr>
         </p:nvSpPr>
-        <p:spPr/>
+        <p:spPr>
+          <a:xfrm>
+            <a:off x="550800" y="1371599"/>
+            <a:ext cx="9721850" cy="3990513"/>
+          </a:xfrm>
+        </p:spPr>
         <p:txBody>
           <a:bodyPr/>
           <a:lstStyle/>
           <a:p>
-            <a:endParaRPr lang="de-DE"/>
+            <a:pPr marL="285750" indent="-285750">
+              <a:buFontTx/>
+              <a:buChar char="-"/>
+            </a:pPr>
+            <a:r>
+              <a:rPr lang="de-DE" dirty="0"/>
+              <a:t>Media Streaming </a:t>
+            </a:r>
+            <a:r>
+              <a:rPr lang="de-DE" dirty="0" err="1"/>
+              <a:t>makes</a:t>
+            </a:r>
+            <a:r>
+              <a:rPr lang="de-DE" dirty="0"/>
+              <a:t> </a:t>
+            </a:r>
+            <a:r>
+              <a:rPr lang="de-DE" dirty="0" err="1"/>
+              <a:t>up</a:t>
+            </a:r>
+            <a:r>
+              <a:rPr lang="de-DE" dirty="0"/>
+              <a:t> </a:t>
+            </a:r>
+            <a:r>
+              <a:rPr lang="de-DE" dirty="0" err="1"/>
+              <a:t>the</a:t>
+            </a:r>
+            <a:r>
+              <a:rPr lang="de-DE" dirty="0"/>
+              <a:t> </a:t>
+            </a:r>
+            <a:r>
+              <a:rPr lang="de-DE" dirty="0" err="1"/>
+              <a:t>majority</a:t>
+            </a:r>
+            <a:r>
+              <a:rPr lang="de-DE" dirty="0"/>
+              <a:t> </a:t>
+            </a:r>
+            <a:r>
+              <a:rPr lang="de-DE" dirty="0" err="1"/>
+              <a:t>of</a:t>
+            </a:r>
+            <a:r>
+              <a:rPr lang="de-DE" dirty="0"/>
+              <a:t> all Internet </a:t>
+            </a:r>
+            <a:r>
+              <a:rPr lang="de-DE" dirty="0" err="1"/>
+              <a:t>traffic</a:t>
+            </a:r>
+            <a:endParaRPr lang="de-DE" dirty="0"/>
+          </a:p>
+          <a:p>
+            <a:pPr marL="971550" lvl="1" indent="-285750">
+              <a:buFontTx/>
+              <a:buChar char="-"/>
+            </a:pPr>
+            <a:r>
+              <a:rPr lang="de-DE" sz="1800" dirty="0">
+                <a:latin typeface="Arial" panose="020B0604020202020204" pitchFamily="34" charset="0"/>
+                <a:cs typeface="Arial" panose="020B0604020202020204" pitchFamily="34" charset="0"/>
+              </a:rPr>
+              <a:t>In 2017: </a:t>
+            </a:r>
+            <a:r>
+              <a:rPr lang="de-DE" sz="1800" b="1" dirty="0">
+                <a:latin typeface="Arial" panose="020B0604020202020204" pitchFamily="34" charset="0"/>
+                <a:cs typeface="Arial" panose="020B0604020202020204" pitchFamily="34" charset="0"/>
+              </a:rPr>
+              <a:t>72% </a:t>
+            </a:r>
+            <a:r>
+              <a:rPr lang="de-DE" sz="1800" baseline="30000" dirty="0">
+                <a:latin typeface="Arial" panose="020B0604020202020204" pitchFamily="34" charset="0"/>
+                <a:cs typeface="Arial" panose="020B0604020202020204" pitchFamily="34" charset="0"/>
+              </a:rPr>
+              <a:t>[1]</a:t>
+            </a:r>
+          </a:p>
+          <a:p>
+            <a:pPr marL="285750" indent="-285750">
+              <a:buFontTx/>
+              <a:buChar char="-"/>
+            </a:pPr>
+            <a:r>
+              <a:rPr lang="de-DE" dirty="0"/>
+              <a:t>HTTP/3 </a:t>
+            </a:r>
+            <a:r>
+              <a:rPr lang="de-DE" dirty="0" err="1"/>
+              <a:t>aims</a:t>
+            </a:r>
+            <a:r>
+              <a:rPr lang="de-DE" dirty="0"/>
+              <a:t> </a:t>
+            </a:r>
+            <a:r>
+              <a:rPr lang="de-DE" dirty="0" err="1"/>
+              <a:t>to</a:t>
+            </a:r>
+            <a:r>
+              <a:rPr lang="de-DE" dirty="0"/>
+              <a:t> </a:t>
+            </a:r>
+            <a:r>
+              <a:rPr lang="de-DE" dirty="0" err="1"/>
+              <a:t>reduce</a:t>
+            </a:r>
+            <a:r>
+              <a:rPr lang="de-DE" dirty="0"/>
+              <a:t> </a:t>
+            </a:r>
+            <a:r>
+              <a:rPr lang="de-DE" dirty="0" err="1"/>
+              <a:t>latency</a:t>
+            </a:r>
+            <a:r>
+              <a:rPr lang="de-DE" dirty="0"/>
+              <a:t>, </a:t>
+            </a:r>
+            <a:r>
+              <a:rPr lang="de-DE" dirty="0" err="1"/>
+              <a:t>head</a:t>
+            </a:r>
+            <a:r>
+              <a:rPr lang="de-DE" dirty="0"/>
+              <a:t> </a:t>
+            </a:r>
+            <a:r>
+              <a:rPr lang="de-DE" dirty="0" err="1"/>
+              <a:t>of</a:t>
+            </a:r>
+            <a:r>
+              <a:rPr lang="de-DE" dirty="0"/>
+              <a:t> </a:t>
+            </a:r>
+            <a:r>
+              <a:rPr lang="de-DE" dirty="0" err="1"/>
+              <a:t>line</a:t>
+            </a:r>
+            <a:r>
+              <a:rPr lang="de-DE" dirty="0"/>
+              <a:t> (HOL) </a:t>
+            </a:r>
+            <a:r>
+              <a:rPr lang="de-DE" dirty="0" err="1"/>
+              <a:t>blocking</a:t>
+            </a:r>
+            <a:r>
+              <a:rPr lang="de-DE" dirty="0"/>
+              <a:t> and </a:t>
+            </a:r>
+            <a:r>
+              <a:rPr lang="de-DE" dirty="0" err="1"/>
+              <a:t>improve</a:t>
+            </a:r>
+            <a:r>
+              <a:rPr lang="de-DE" dirty="0"/>
+              <a:t> </a:t>
+            </a:r>
+            <a:r>
+              <a:rPr lang="de-DE" dirty="0" err="1"/>
+              <a:t>the</a:t>
+            </a:r>
+            <a:r>
+              <a:rPr lang="de-DE" dirty="0"/>
+              <a:t> </a:t>
+            </a:r>
+            <a:r>
+              <a:rPr lang="de-DE" dirty="0" err="1"/>
+              <a:t>user</a:t>
+            </a:r>
+            <a:r>
+              <a:rPr lang="de-DE" dirty="0"/>
+              <a:t> </a:t>
+            </a:r>
+            <a:r>
+              <a:rPr lang="de-DE" dirty="0" err="1"/>
+              <a:t>experience</a:t>
+            </a:r>
+            <a:endParaRPr lang="de-DE" dirty="0"/>
+          </a:p>
+          <a:p>
+            <a:pPr marL="971550" lvl="1" indent="-285750">
+              <a:buFontTx/>
+              <a:buChar char="-"/>
+            </a:pPr>
+            <a:r>
+              <a:rPr lang="de-DE" sz="1800" dirty="0" err="1">
+                <a:latin typeface="Arial" panose="020B0604020202020204" pitchFamily="34" charset="0"/>
+                <a:cs typeface="Arial" panose="020B0604020202020204" pitchFamily="34" charset="0"/>
+              </a:rPr>
+              <a:t>Better</a:t>
+            </a:r>
+            <a:r>
+              <a:rPr lang="de-DE" sz="1800" dirty="0">
+                <a:latin typeface="Arial" panose="020B0604020202020204" pitchFamily="34" charset="0"/>
+                <a:cs typeface="Arial" panose="020B0604020202020204" pitchFamily="34" charset="0"/>
+              </a:rPr>
+              <a:t> stream </a:t>
+            </a:r>
+            <a:r>
+              <a:rPr lang="de-DE" sz="1800" dirty="0" err="1">
+                <a:latin typeface="Arial" panose="020B0604020202020204" pitchFamily="34" charset="0"/>
+                <a:cs typeface="Arial" panose="020B0604020202020204" pitchFamily="34" charset="0"/>
+              </a:rPr>
+              <a:t>multiplexing</a:t>
+            </a:r>
+            <a:endParaRPr lang="de-DE" sz="1800" dirty="0">
+              <a:latin typeface="Arial" panose="020B0604020202020204" pitchFamily="34" charset="0"/>
+              <a:cs typeface="Arial" panose="020B0604020202020204" pitchFamily="34" charset="0"/>
+            </a:endParaRPr>
+          </a:p>
+          <a:p>
+            <a:pPr marL="971550" lvl="1" indent="-285750">
+              <a:buFontTx/>
+              <a:buChar char="-"/>
+            </a:pPr>
+            <a:r>
+              <a:rPr lang="de-DE" sz="1800" dirty="0" err="1">
+                <a:latin typeface="Arial" panose="020B0604020202020204" pitchFamily="34" charset="0"/>
+                <a:cs typeface="Arial" panose="020B0604020202020204" pitchFamily="34" charset="0"/>
+              </a:rPr>
+              <a:t>Faster</a:t>
+            </a:r>
+            <a:r>
+              <a:rPr lang="de-DE" sz="1800" dirty="0">
+                <a:latin typeface="Arial" panose="020B0604020202020204" pitchFamily="34" charset="0"/>
+                <a:cs typeface="Arial" panose="020B0604020202020204" pitchFamily="34" charset="0"/>
+              </a:rPr>
+              <a:t> </a:t>
+            </a:r>
+            <a:r>
+              <a:rPr lang="de-DE" sz="1800" dirty="0" err="1">
+                <a:latin typeface="Arial" panose="020B0604020202020204" pitchFamily="34" charset="0"/>
+                <a:cs typeface="Arial" panose="020B0604020202020204" pitchFamily="34" charset="0"/>
+              </a:rPr>
+              <a:t>verification</a:t>
+            </a:r>
+            <a:r>
+              <a:rPr lang="de-DE" sz="1800" dirty="0">
+                <a:latin typeface="Arial" panose="020B0604020202020204" pitchFamily="34" charset="0"/>
+                <a:cs typeface="Arial" panose="020B0604020202020204" pitchFamily="34" charset="0"/>
+              </a:rPr>
+              <a:t> </a:t>
+            </a:r>
+            <a:r>
+              <a:rPr lang="de-DE" sz="1800" dirty="0" err="1">
+                <a:latin typeface="Arial" panose="020B0604020202020204" pitchFamily="34" charset="0"/>
+                <a:cs typeface="Arial" panose="020B0604020202020204" pitchFamily="34" charset="0"/>
+              </a:rPr>
+              <a:t>handshake</a:t>
+            </a:r>
+            <a:r>
+              <a:rPr lang="de-DE" sz="1800" dirty="0">
+                <a:latin typeface="Arial" panose="020B0604020202020204" pitchFamily="34" charset="0"/>
+                <a:cs typeface="Arial" panose="020B0604020202020204" pitchFamily="34" charset="0"/>
+              </a:rPr>
+              <a:t> </a:t>
+            </a:r>
+            <a:r>
+              <a:rPr lang="de-DE" sz="1800" baseline="30000" dirty="0">
+                <a:latin typeface="Arial" panose="020B0604020202020204" pitchFamily="34" charset="0"/>
+                <a:cs typeface="Arial" panose="020B0604020202020204" pitchFamily="34" charset="0"/>
+              </a:rPr>
+              <a:t>[2]</a:t>
+            </a:r>
+          </a:p>
+          <a:p>
+            <a:pPr marL="971550" lvl="1" indent="-285750">
+              <a:buFontTx/>
+              <a:buChar char="-"/>
+            </a:pPr>
+            <a:endParaRPr lang="de-DE" sz="1800" baseline="30000" dirty="0">
+              <a:latin typeface="Arial" panose="020B0604020202020204" pitchFamily="34" charset="0"/>
+              <a:cs typeface="Arial" panose="020B0604020202020204" pitchFamily="34" charset="0"/>
+            </a:endParaRPr>
+          </a:p>
+          <a:p>
+            <a:endParaRPr lang="de-DE" dirty="0"/>
+          </a:p>
+          <a:p>
+            <a:endParaRPr lang="de-DE" dirty="0"/>
           </a:p>
         </p:txBody>
       </p:sp>
       <p:sp>
         <p:nvSpPr>
-          <p:cNvPr id="4" name="Textplatzhalter 3">
+          <p:cNvPr id="4" name="Text Placeholder 3">
             <a:extLst>
               <a:ext uri="{FF2B5EF4-FFF2-40B4-BE49-F238E27FC236}">
-                <a16:creationId xmlns:a16="http://schemas.microsoft.com/office/drawing/2014/main" id="{1DDBDE21-4AC1-EB4D-9875-252AE5A899AE}"/>
+                <a16:creationId xmlns:a16="http://schemas.microsoft.com/office/drawing/2014/main" id="{45F894AC-232B-01B5-80AD-B189941463FA}"/>
               </a:ext>
             </a:extLst>
           </p:cNvPr>
@@ -4703,14 +6422,24 @@
           <a:bodyPr/>
           <a:lstStyle/>
           <a:p>
-            <a:endParaRPr lang="de-DE"/>
+            <a:r>
+              <a:rPr lang="de-DE" dirty="0" err="1"/>
+              <a:t>Recap</a:t>
+            </a:r>
+            <a:r>
+              <a:rPr lang="de-DE" dirty="0"/>
+              <a:t> Problem Statement</a:t>
+            </a:r>
+          </a:p>
+          <a:p>
+            <a:endParaRPr lang="de-DE" dirty="0"/>
           </a:p>
         </p:txBody>
       </p:sp>
     </p:spTree>
     <p:extLst>
       <p:ext uri="{BB962C8B-B14F-4D97-AF65-F5344CB8AC3E}">
-        <p14:creationId xmlns:p14="http://schemas.microsoft.com/office/powerpoint/2010/main" val="2026090156"/>
+        <p14:creationId xmlns:p14="http://schemas.microsoft.com/office/powerpoint/2010/main" val="522414064"/>
       </p:ext>
     </p:extLst>
   </p:cSld>
@@ -4739,10 +6468,10 @@
       </p:grpSpPr>
       <p:sp>
         <p:nvSpPr>
-          <p:cNvPr id="2" name="Textplatzhalter 1">
+          <p:cNvPr id="2" name="Text Placeholder 1">
             <a:extLst>
               <a:ext uri="{FF2B5EF4-FFF2-40B4-BE49-F238E27FC236}">
-                <a16:creationId xmlns:a16="http://schemas.microsoft.com/office/drawing/2014/main" id="{03D788EC-E749-5C4A-AF41-807090A12BD3}"/>
+                <a16:creationId xmlns:a16="http://schemas.microsoft.com/office/drawing/2014/main" id="{63E72B7E-0774-E776-C48F-4EC53BDAE6C0}"/>
               </a:ext>
             </a:extLst>
           </p:cNvPr>
@@ -4753,39 +6482,26 @@
             <p:ph type="body" sz="quarter" idx="18"/>
           </p:nvPr>
         </p:nvSpPr>
-        <p:spPr/>
+        <p:spPr>
+          <a:xfrm>
+            <a:off x="555868" y="1382400"/>
+            <a:ext cx="9946678" cy="4093588"/>
+          </a:xfrm>
+        </p:spPr>
         <p:txBody>
           <a:bodyPr/>
           <a:lstStyle/>
           <a:p>
-            <a:endParaRPr lang="de-DE"/>
+            <a:endParaRPr lang="de-DE" dirty="0"/>
           </a:p>
         </p:txBody>
       </p:sp>
       <p:sp>
         <p:nvSpPr>
-          <p:cNvPr id="3" name="Bildplatzhalter 2">
+          <p:cNvPr id="4" name="Text Placeholder 3">
             <a:extLst>
               <a:ext uri="{FF2B5EF4-FFF2-40B4-BE49-F238E27FC236}">
-                <a16:creationId xmlns:a16="http://schemas.microsoft.com/office/drawing/2014/main" id="{EDE7230B-9DFC-1045-A544-B8628C247A7D}"/>
-              </a:ext>
-            </a:extLst>
-          </p:cNvPr>
-          <p:cNvSpPr>
-            <a:spLocks noGrp="1"/>
-          </p:cNvSpPr>
-          <p:nvPr>
-            <p:ph type="pic" sz="quarter" idx="17"/>
-          </p:nvPr>
-        </p:nvSpPr>
-        <p:spPr/>
-      </p:sp>
-      <p:sp>
-        <p:nvSpPr>
-          <p:cNvPr id="4" name="Textplatzhalter 3">
-            <a:extLst>
-              <a:ext uri="{FF2B5EF4-FFF2-40B4-BE49-F238E27FC236}">
-                <a16:creationId xmlns:a16="http://schemas.microsoft.com/office/drawing/2014/main" id="{BE443C7D-AF88-AA4B-A5FB-1EFDB25CE689}"/>
+                <a16:creationId xmlns:a16="http://schemas.microsoft.com/office/drawing/2014/main" id="{8BF7C1A0-172C-244E-581D-CDB5763251CA}"/>
               </a:ext>
             </a:extLst>
           </p:cNvPr>
@@ -4801,14 +6517,27 @@
           <a:bodyPr/>
           <a:lstStyle/>
           <a:p>
-            <a:endParaRPr lang="de-DE"/>
+            <a:r>
+              <a:rPr lang="de-DE" dirty="0" err="1"/>
+              <a:t>Proposed</a:t>
+            </a:r>
+            <a:r>
+              <a:rPr lang="de-DE" dirty="0"/>
+              <a:t> Solution</a:t>
+            </a:r>
+          </a:p>
+          <a:p>
+            <a:r>
+              <a:rPr lang="de-DE" dirty="0"/>
+              <a:t>WARP / MOQT</a:t>
+            </a:r>
           </a:p>
         </p:txBody>
       </p:sp>
     </p:spTree>
     <p:extLst>
       <p:ext uri="{BB962C8B-B14F-4D97-AF65-F5344CB8AC3E}">
-        <p14:creationId xmlns:p14="http://schemas.microsoft.com/office/powerpoint/2010/main" val="1388914157"/>
+        <p14:creationId xmlns:p14="http://schemas.microsoft.com/office/powerpoint/2010/main" val="3524554039"/>
       </p:ext>
     </p:extLst>
   </p:cSld>
@@ -4837,10 +6566,10 @@
       </p:grpSpPr>
       <p:sp>
         <p:nvSpPr>
-          <p:cNvPr id="2" name="Textplatzhalter 1">
+          <p:cNvPr id="2" name="Text Placeholder 1">
             <a:extLst>
               <a:ext uri="{FF2B5EF4-FFF2-40B4-BE49-F238E27FC236}">
-                <a16:creationId xmlns:a16="http://schemas.microsoft.com/office/drawing/2014/main" id="{BFF2F4EC-C20B-1E43-BE9F-59A858561991}"/>
+                <a16:creationId xmlns:a16="http://schemas.microsoft.com/office/drawing/2014/main" id="{63E72B7E-0774-E776-C48F-4EC53BDAE6C0}"/>
               </a:ext>
             </a:extLst>
           </p:cNvPr>
@@ -4851,7 +6580,12 @@
             <p:ph type="body" sz="quarter" idx="18"/>
           </p:nvPr>
         </p:nvSpPr>
-        <p:spPr/>
+        <p:spPr>
+          <a:xfrm>
+            <a:off x="555868" y="1382400"/>
+            <a:ext cx="9946678" cy="4093588"/>
+          </a:xfrm>
+        </p:spPr>
         <p:txBody>
           <a:bodyPr/>
           <a:lstStyle/>
@@ -4862,28 +6596,10 @@
       </p:sp>
       <p:sp>
         <p:nvSpPr>
-          <p:cNvPr id="3" name="Bildplatzhalter 2">
+          <p:cNvPr id="4" name="Text Placeholder 3">
             <a:extLst>
               <a:ext uri="{FF2B5EF4-FFF2-40B4-BE49-F238E27FC236}">
-                <a16:creationId xmlns:a16="http://schemas.microsoft.com/office/drawing/2014/main" id="{1394C4D9-2975-504D-8952-FF2A67C2FD60}"/>
-              </a:ext>
-            </a:extLst>
-          </p:cNvPr>
-          <p:cNvSpPr>
-            <a:spLocks noGrp="1"/>
-          </p:cNvSpPr>
-          <p:nvPr>
-            <p:ph type="pic" sz="quarter" idx="17"/>
-          </p:nvPr>
-        </p:nvSpPr>
-        <p:spPr/>
-      </p:sp>
-      <p:sp>
-        <p:nvSpPr>
-          <p:cNvPr id="4" name="Textplatzhalter 3">
-            <a:extLst>
-              <a:ext uri="{FF2B5EF4-FFF2-40B4-BE49-F238E27FC236}">
-                <a16:creationId xmlns:a16="http://schemas.microsoft.com/office/drawing/2014/main" id="{F40188BC-6CD0-AD4B-A4FB-7A918BB1E41B}"/>
+                <a16:creationId xmlns:a16="http://schemas.microsoft.com/office/drawing/2014/main" id="{8BF7C1A0-172C-244E-581D-CDB5763251CA}"/>
               </a:ext>
             </a:extLst>
           </p:cNvPr>
@@ -4899,14 +6615,394 @@
           <a:bodyPr/>
           <a:lstStyle/>
           <a:p>
-            <a:endParaRPr lang="de-DE"/>
+            <a:r>
+              <a:rPr lang="de-DE" dirty="0" err="1"/>
+              <a:t>Proposed</a:t>
+            </a:r>
+            <a:r>
+              <a:rPr lang="de-DE" dirty="0"/>
+              <a:t> Solution</a:t>
+            </a:r>
+          </a:p>
+          <a:p>
+            <a:r>
+              <a:rPr lang="de-DE" dirty="0"/>
+              <a:t>RUSH</a:t>
+            </a:r>
           </a:p>
         </p:txBody>
       </p:sp>
     </p:spTree>
     <p:extLst>
       <p:ext uri="{BB962C8B-B14F-4D97-AF65-F5344CB8AC3E}">
-        <p14:creationId xmlns:p14="http://schemas.microsoft.com/office/powerpoint/2010/main" val="2659102092"/>
+        <p14:creationId xmlns:p14="http://schemas.microsoft.com/office/powerpoint/2010/main" val="3726153706"/>
+      </p:ext>
+    </p:extLst>
+  </p:cSld>
+  <p:clrMapOvr>
+    <a:masterClrMapping/>
+  </p:clrMapOvr>
+</p:sld>
+</file>
+
+<file path=ppt/slides/slide6.xml><?xml version="1.0" encoding="utf-8"?>
+<p:sld xmlns:a="http://schemas.openxmlformats.org/drawingml/2006/main" xmlns:r="http://schemas.openxmlformats.org/officeDocument/2006/relationships" xmlns:p="http://schemas.openxmlformats.org/presentationml/2006/main">
+  <p:cSld>
+    <p:spTree>
+      <p:nvGrpSpPr>
+        <p:cNvPr id="1" name=""/>
+        <p:cNvGrpSpPr/>
+        <p:nvPr/>
+      </p:nvGrpSpPr>
+      <p:grpSpPr>
+        <a:xfrm>
+          <a:off x="0" y="0"/>
+          <a:ext cx="0" cy="0"/>
+          <a:chOff x="0" y="0"/>
+          <a:chExt cx="0" cy="0"/>
+        </a:xfrm>
+      </p:grpSpPr>
+      <p:sp>
+        <p:nvSpPr>
+          <p:cNvPr id="2" name="Text Placeholder 1">
+            <a:extLst>
+              <a:ext uri="{FF2B5EF4-FFF2-40B4-BE49-F238E27FC236}">
+                <a16:creationId xmlns:a16="http://schemas.microsoft.com/office/drawing/2014/main" id="{63E72B7E-0774-E776-C48F-4EC53BDAE6C0}"/>
+              </a:ext>
+            </a:extLst>
+          </p:cNvPr>
+          <p:cNvSpPr>
+            <a:spLocks noGrp="1"/>
+          </p:cNvSpPr>
+          <p:nvPr>
+            <p:ph type="body" sz="quarter" idx="18"/>
+          </p:nvPr>
+        </p:nvSpPr>
+        <p:spPr>
+          <a:xfrm>
+            <a:off x="555868" y="1382400"/>
+            <a:ext cx="9946678" cy="4093588"/>
+          </a:xfrm>
+        </p:spPr>
+        <p:txBody>
+          <a:bodyPr/>
+          <a:lstStyle/>
+          <a:p>
+            <a:endParaRPr lang="de-DE" dirty="0"/>
+          </a:p>
+        </p:txBody>
+      </p:sp>
+      <p:sp>
+        <p:nvSpPr>
+          <p:cNvPr id="4" name="Text Placeholder 3">
+            <a:extLst>
+              <a:ext uri="{FF2B5EF4-FFF2-40B4-BE49-F238E27FC236}">
+                <a16:creationId xmlns:a16="http://schemas.microsoft.com/office/drawing/2014/main" id="{8BF7C1A0-172C-244E-581D-CDB5763251CA}"/>
+              </a:ext>
+            </a:extLst>
+          </p:cNvPr>
+          <p:cNvSpPr>
+            <a:spLocks noGrp="1"/>
+          </p:cNvSpPr>
+          <p:nvPr>
+            <p:ph type="body" sz="quarter" idx="14"/>
+          </p:nvPr>
+        </p:nvSpPr>
+        <p:spPr/>
+        <p:txBody>
+          <a:bodyPr/>
+          <a:lstStyle/>
+          <a:p>
+            <a:r>
+              <a:rPr lang="de-DE" dirty="0" err="1"/>
+              <a:t>Proposed</a:t>
+            </a:r>
+            <a:r>
+              <a:rPr lang="de-DE" dirty="0"/>
+              <a:t> Solution</a:t>
+            </a:r>
+          </a:p>
+          <a:p>
+            <a:r>
+              <a:rPr lang="de-DE" dirty="0"/>
+              <a:t>QUICR</a:t>
+            </a:r>
+          </a:p>
+        </p:txBody>
+      </p:sp>
+    </p:spTree>
+    <p:extLst>
+      <p:ext uri="{BB962C8B-B14F-4D97-AF65-F5344CB8AC3E}">
+        <p14:creationId xmlns:p14="http://schemas.microsoft.com/office/powerpoint/2010/main" val="3332122908"/>
+      </p:ext>
+    </p:extLst>
+  </p:cSld>
+  <p:clrMapOvr>
+    <a:masterClrMapping/>
+  </p:clrMapOvr>
+</p:sld>
+</file>
+
+<file path=ppt/slides/slide7.xml><?xml version="1.0" encoding="utf-8"?>
+<p:sld xmlns:a="http://schemas.openxmlformats.org/drawingml/2006/main" xmlns:r="http://schemas.openxmlformats.org/officeDocument/2006/relationships" xmlns:p="http://schemas.openxmlformats.org/presentationml/2006/main">
+  <p:cSld>
+    <p:spTree>
+      <p:nvGrpSpPr>
+        <p:cNvPr id="1" name=""/>
+        <p:cNvGrpSpPr/>
+        <p:nvPr/>
+      </p:nvGrpSpPr>
+      <p:grpSpPr>
+        <a:xfrm>
+          <a:off x="0" y="0"/>
+          <a:ext cx="0" cy="0"/>
+          <a:chOff x="0" y="0"/>
+          <a:chExt cx="0" cy="0"/>
+        </a:xfrm>
+      </p:grpSpPr>
+      <p:sp>
+        <p:nvSpPr>
+          <p:cNvPr id="2" name="Text Placeholder 1">
+            <a:extLst>
+              <a:ext uri="{FF2B5EF4-FFF2-40B4-BE49-F238E27FC236}">
+                <a16:creationId xmlns:a16="http://schemas.microsoft.com/office/drawing/2014/main" id="{42C62328-4006-D2EC-185C-E439DA12B702}"/>
+              </a:ext>
+            </a:extLst>
+          </p:cNvPr>
+          <p:cNvSpPr>
+            <a:spLocks noGrp="1"/>
+          </p:cNvSpPr>
+          <p:nvPr>
+            <p:ph type="body" sz="quarter" idx="18"/>
+          </p:nvPr>
+        </p:nvSpPr>
+        <p:spPr>
+          <a:xfrm>
+            <a:off x="555868" y="1382400"/>
+            <a:ext cx="9946678" cy="4093588"/>
+          </a:xfrm>
+        </p:spPr>
+        <p:txBody>
+          <a:bodyPr/>
+          <a:lstStyle/>
+          <a:p>
+            <a:endParaRPr lang="de-DE" dirty="0"/>
+          </a:p>
+        </p:txBody>
+      </p:sp>
+      <p:sp>
+        <p:nvSpPr>
+          <p:cNvPr id="4" name="Text Placeholder 3">
+            <a:extLst>
+              <a:ext uri="{FF2B5EF4-FFF2-40B4-BE49-F238E27FC236}">
+                <a16:creationId xmlns:a16="http://schemas.microsoft.com/office/drawing/2014/main" id="{6AEF0EEF-0EC4-30AB-0725-2CBB5C7A1EDB}"/>
+              </a:ext>
+            </a:extLst>
+          </p:cNvPr>
+          <p:cNvSpPr>
+            <a:spLocks noGrp="1"/>
+          </p:cNvSpPr>
+          <p:nvPr>
+            <p:ph type="body" sz="quarter" idx="14"/>
+          </p:nvPr>
+        </p:nvSpPr>
+        <p:spPr/>
+        <p:txBody>
+          <a:bodyPr/>
+          <a:lstStyle/>
+          <a:p>
+            <a:r>
+              <a:rPr lang="de-DE" dirty="0"/>
+              <a:t>Challenges and Blockers</a:t>
+            </a:r>
+          </a:p>
+        </p:txBody>
+      </p:sp>
+    </p:spTree>
+    <p:extLst>
+      <p:ext uri="{BB962C8B-B14F-4D97-AF65-F5344CB8AC3E}">
+        <p14:creationId xmlns:p14="http://schemas.microsoft.com/office/powerpoint/2010/main" val="3388125799"/>
+      </p:ext>
+    </p:extLst>
+  </p:cSld>
+  <p:clrMapOvr>
+    <a:masterClrMapping/>
+  </p:clrMapOvr>
+</p:sld>
+</file>
+
+<file path=ppt/slides/slide8.xml><?xml version="1.0" encoding="utf-8"?>
+<p:sld xmlns:a="http://schemas.openxmlformats.org/drawingml/2006/main" xmlns:r="http://schemas.openxmlformats.org/officeDocument/2006/relationships" xmlns:p="http://schemas.openxmlformats.org/presentationml/2006/main">
+  <p:cSld>
+    <p:spTree>
+      <p:nvGrpSpPr>
+        <p:cNvPr id="1" name=""/>
+        <p:cNvGrpSpPr/>
+        <p:nvPr/>
+      </p:nvGrpSpPr>
+      <p:grpSpPr>
+        <a:xfrm>
+          <a:off x="0" y="0"/>
+          <a:ext cx="0" cy="0"/>
+          <a:chOff x="0" y="0"/>
+          <a:chExt cx="0" cy="0"/>
+        </a:xfrm>
+      </p:grpSpPr>
+      <p:sp>
+        <p:nvSpPr>
+          <p:cNvPr id="2" name="Text Placeholder 1">
+            <a:extLst>
+              <a:ext uri="{FF2B5EF4-FFF2-40B4-BE49-F238E27FC236}">
+                <a16:creationId xmlns:a16="http://schemas.microsoft.com/office/drawing/2014/main" id="{42C62328-4006-D2EC-185C-E439DA12B702}"/>
+              </a:ext>
+            </a:extLst>
+          </p:cNvPr>
+          <p:cNvSpPr>
+            <a:spLocks noGrp="1"/>
+          </p:cNvSpPr>
+          <p:nvPr>
+            <p:ph type="body" sz="quarter" idx="18"/>
+          </p:nvPr>
+        </p:nvSpPr>
+        <p:spPr>
+          <a:xfrm>
+            <a:off x="555868" y="1382400"/>
+            <a:ext cx="9946678" cy="4093588"/>
+          </a:xfrm>
+        </p:spPr>
+        <p:txBody>
+          <a:bodyPr/>
+          <a:lstStyle/>
+          <a:p>
+            <a:endParaRPr lang="de-DE" dirty="0"/>
+          </a:p>
+        </p:txBody>
+      </p:sp>
+      <p:sp>
+        <p:nvSpPr>
+          <p:cNvPr id="4" name="Text Placeholder 3">
+            <a:extLst>
+              <a:ext uri="{FF2B5EF4-FFF2-40B4-BE49-F238E27FC236}">
+                <a16:creationId xmlns:a16="http://schemas.microsoft.com/office/drawing/2014/main" id="{6AEF0EEF-0EC4-30AB-0725-2CBB5C7A1EDB}"/>
+              </a:ext>
+            </a:extLst>
+          </p:cNvPr>
+          <p:cNvSpPr>
+            <a:spLocks noGrp="1"/>
+          </p:cNvSpPr>
+          <p:nvPr>
+            <p:ph type="body" sz="quarter" idx="14"/>
+          </p:nvPr>
+        </p:nvSpPr>
+        <p:spPr/>
+        <p:txBody>
+          <a:bodyPr/>
+          <a:lstStyle/>
+          <a:p>
+            <a:r>
+              <a:rPr lang="de-DE" dirty="0"/>
+              <a:t>Demo Recording</a:t>
+            </a:r>
+          </a:p>
+        </p:txBody>
+      </p:sp>
+    </p:spTree>
+    <p:extLst>
+      <p:ext uri="{BB962C8B-B14F-4D97-AF65-F5344CB8AC3E}">
+        <p14:creationId xmlns:p14="http://schemas.microsoft.com/office/powerpoint/2010/main" val="1316434677"/>
+      </p:ext>
+    </p:extLst>
+  </p:cSld>
+  <p:clrMapOvr>
+    <a:masterClrMapping/>
+  </p:clrMapOvr>
+</p:sld>
+</file>
+
+<file path=ppt/slides/slide9.xml><?xml version="1.0" encoding="utf-8"?>
+<p:sld xmlns:a="http://schemas.openxmlformats.org/drawingml/2006/main" xmlns:r="http://schemas.openxmlformats.org/officeDocument/2006/relationships" xmlns:p="http://schemas.openxmlformats.org/presentationml/2006/main">
+  <p:cSld>
+    <p:spTree>
+      <p:nvGrpSpPr>
+        <p:cNvPr id="1" name=""/>
+        <p:cNvGrpSpPr/>
+        <p:nvPr/>
+      </p:nvGrpSpPr>
+      <p:grpSpPr>
+        <a:xfrm>
+          <a:off x="0" y="0"/>
+          <a:ext cx="0" cy="0"/>
+          <a:chOff x="0" y="0"/>
+          <a:chExt cx="0" cy="0"/>
+        </a:xfrm>
+      </p:grpSpPr>
+      <p:sp>
+        <p:nvSpPr>
+          <p:cNvPr id="2" name="Text Placeholder 1">
+            <a:extLst>
+              <a:ext uri="{FF2B5EF4-FFF2-40B4-BE49-F238E27FC236}">
+                <a16:creationId xmlns:a16="http://schemas.microsoft.com/office/drawing/2014/main" id="{42C62328-4006-D2EC-185C-E439DA12B702}"/>
+              </a:ext>
+            </a:extLst>
+          </p:cNvPr>
+          <p:cNvSpPr>
+            <a:spLocks noGrp="1"/>
+          </p:cNvSpPr>
+          <p:nvPr>
+            <p:ph type="body" sz="quarter" idx="18"/>
+          </p:nvPr>
+        </p:nvSpPr>
+        <p:spPr>
+          <a:xfrm>
+            <a:off x="555868" y="1382400"/>
+            <a:ext cx="9946678" cy="4093588"/>
+          </a:xfrm>
+        </p:spPr>
+        <p:txBody>
+          <a:bodyPr/>
+          <a:lstStyle/>
+          <a:p>
+            <a:endParaRPr lang="de-DE" dirty="0"/>
+          </a:p>
+        </p:txBody>
+      </p:sp>
+      <p:sp>
+        <p:nvSpPr>
+          <p:cNvPr id="4" name="Text Placeholder 3">
+            <a:extLst>
+              <a:ext uri="{FF2B5EF4-FFF2-40B4-BE49-F238E27FC236}">
+                <a16:creationId xmlns:a16="http://schemas.microsoft.com/office/drawing/2014/main" id="{6AEF0EEF-0EC4-30AB-0725-2CBB5C7A1EDB}"/>
+              </a:ext>
+            </a:extLst>
+          </p:cNvPr>
+          <p:cNvSpPr>
+            <a:spLocks noGrp="1"/>
+          </p:cNvSpPr>
+          <p:nvPr>
+            <p:ph type="body" sz="quarter" idx="14"/>
+          </p:nvPr>
+        </p:nvSpPr>
+        <p:spPr/>
+        <p:txBody>
+          <a:bodyPr/>
+          <a:lstStyle/>
+          <a:p>
+            <a:r>
+              <a:rPr lang="de-DE" dirty="0"/>
+              <a:t>Next </a:t>
+            </a:r>
+            <a:r>
+              <a:rPr lang="de-DE" dirty="0" err="1"/>
+              <a:t>Steps</a:t>
+            </a:r>
+            <a:endParaRPr lang="de-DE" dirty="0"/>
+          </a:p>
+        </p:txBody>
+      </p:sp>
+    </p:spTree>
+    <p:extLst>
+      <p:ext uri="{BB962C8B-B14F-4D97-AF65-F5344CB8AC3E}">
+        <p14:creationId xmlns:p14="http://schemas.microsoft.com/office/powerpoint/2010/main" val="4058755114"/>
       </p:ext>
     </p:extLst>
   </p:cSld>
